--- a/Fase2/MD.pptx
+++ b/Fase2/MD.pptx
@@ -5,21 +5,23 @@
     <p:sldMasterId id="2147483648" r:id="rId1"/>
   </p:sldMasterIdLst>
   <p:notesMasterIdLst>
-    <p:notesMasterId r:id="rId11"/>
+    <p:notesMasterId r:id="rId13"/>
   </p:notesMasterIdLst>
   <p:handoutMasterIdLst>
-    <p:handoutMasterId r:id="rId12"/>
+    <p:handoutMasterId r:id="rId14"/>
   </p:handoutMasterIdLst>
   <p:sldIdLst>
     <p:sldId id="256" r:id="rId2"/>
     <p:sldId id="314" r:id="rId3"/>
-    <p:sldId id="317" r:id="rId4"/>
-    <p:sldId id="311" r:id="rId5"/>
-    <p:sldId id="318" r:id="rId6"/>
-    <p:sldId id="316" r:id="rId7"/>
-    <p:sldId id="319" r:id="rId8"/>
-    <p:sldId id="312" r:id="rId9"/>
-    <p:sldId id="320" r:id="rId10"/>
+    <p:sldId id="312" r:id="rId4"/>
+    <p:sldId id="317" r:id="rId5"/>
+    <p:sldId id="311" r:id="rId6"/>
+    <p:sldId id="318" r:id="rId7"/>
+    <p:sldId id="316" r:id="rId8"/>
+    <p:sldId id="319" r:id="rId9"/>
+    <p:sldId id="322" r:id="rId10"/>
+    <p:sldId id="323" r:id="rId11"/>
+    <p:sldId id="321" r:id="rId12"/>
   </p:sldIdLst>
   <p:sldSz cx="9144000" cy="6858000" type="screen4x3"/>
   <p:notesSz cx="7099300" cy="10234613"/>
@@ -220,7 +222,7 @@
             <a:fld id="{ADB6FF1F-555E-4388-A8B0-D1E524B355D1}" type="datetimeFigureOut">
               <a:rPr lang="pt-PT" smtClean="0"/>
               <a:pPr/>
-              <a:t>23/05/2023</a:t>
+              <a:t>25/05/2023</a:t>
             </a:fld>
             <a:endParaRPr lang="pt-PT"/>
           </a:p>
@@ -387,7 +389,7 @@
             <a:fld id="{E77E319B-B046-487F-8D03-B96E4F1A43D0}" type="datetimeFigureOut">
               <a:rPr lang="pt-PT" smtClean="0"/>
               <a:pPr/>
-              <a:t>23/05/2023</a:t>
+              <a:t>25/05/2023</a:t>
             </a:fld>
             <a:endParaRPr lang="pt-PT"/>
           </a:p>
@@ -742,6 +744,190 @@
 </p:notes>
 </file>
 
+<file path=ppt/notesSlides/notesSlide10.xml><?xml version="1.0" encoding="utf-8"?>
+<p:notes xmlns:a="http://schemas.openxmlformats.org/drawingml/2006/main" xmlns:r="http://schemas.openxmlformats.org/officeDocument/2006/relationships" xmlns:p="http://schemas.openxmlformats.org/presentationml/2006/main">
+  <p:cSld>
+    <p:spTree>
+      <p:nvGrpSpPr>
+        <p:cNvPr id="1" name=""/>
+        <p:cNvGrpSpPr/>
+        <p:nvPr/>
+      </p:nvGrpSpPr>
+      <p:grpSpPr>
+        <a:xfrm>
+          <a:off x="0" y="0"/>
+          <a:ext cx="0" cy="0"/>
+          <a:chOff x="0" y="0"/>
+          <a:chExt cx="0" cy="0"/>
+        </a:xfrm>
+      </p:grpSpPr>
+      <p:sp>
+        <p:nvSpPr>
+          <p:cNvPr id="93186" name="Rectangle 7"/>
+          <p:cNvSpPr>
+            <a:spLocks noGrp="1" noChangeArrowheads="1"/>
+          </p:cNvSpPr>
+          <p:nvPr>
+            <p:ph type="sldNum" sz="quarter" idx="5"/>
+          </p:nvPr>
+        </p:nvSpPr>
+        <p:spPr>
+          <a:noFill/>
+        </p:spPr>
+        <p:txBody>
+          <a:bodyPr/>
+          <a:lstStyle/>
+          <a:p>
+            <a:fld id="{497D1F5F-AB60-452E-AA79-64E25350F70B}" type="slidenum">
+              <a:rPr lang="pt-PT" smtClean="0">
+                <a:latin typeface="Arial" pitchFamily="34" charset="0"/>
+              </a:rPr>
+              <a:pPr/>
+              <a:t>10</a:t>
+            </a:fld>
+            <a:endParaRPr lang="pt-PT">
+              <a:latin typeface="Arial" pitchFamily="34" charset="0"/>
+            </a:endParaRPr>
+          </a:p>
+        </p:txBody>
+      </p:sp>
+      <p:sp>
+        <p:nvSpPr>
+          <p:cNvPr id="93187" name="Rectangle 2"/>
+          <p:cNvSpPr>
+            <a:spLocks noGrp="1" noRot="1" noChangeAspect="1" noChangeArrowheads="1" noTextEdit="1"/>
+          </p:cNvSpPr>
+          <p:nvPr>
+            <p:ph type="sldImg"/>
+          </p:nvPr>
+        </p:nvSpPr>
+        <p:spPr>
+          <a:ln/>
+        </p:spPr>
+      </p:sp>
+      <p:sp>
+        <p:nvSpPr>
+          <p:cNvPr id="93188" name="Rectangle 3"/>
+          <p:cNvSpPr>
+            <a:spLocks noGrp="1" noChangeArrowheads="1"/>
+          </p:cNvSpPr>
+          <p:nvPr>
+            <p:ph type="body" idx="1"/>
+          </p:nvPr>
+        </p:nvSpPr>
+        <p:spPr>
+          <a:noFill/>
+          <a:ln/>
+        </p:spPr>
+        <p:txBody>
+          <a:bodyPr/>
+          <a:lstStyle/>
+          <a:p>
+            <a:pPr eaLnBrk="1" hangingPunct="1"/>
+            <a:endParaRPr lang="pt-PT">
+              <a:latin typeface="Arial" pitchFamily="34" charset="0"/>
+            </a:endParaRPr>
+          </a:p>
+        </p:txBody>
+      </p:sp>
+    </p:spTree>
+    <p:extLst>
+      <p:ext uri="{BB962C8B-B14F-4D97-AF65-F5344CB8AC3E}">
+        <p14:creationId xmlns:p14="http://schemas.microsoft.com/office/powerpoint/2010/main" val="2327638655"/>
+      </p:ext>
+    </p:extLst>
+  </p:cSld>
+  <p:clrMapOvr>
+    <a:masterClrMapping/>
+  </p:clrMapOvr>
+</p:notes>
+</file>
+
+<file path=ppt/notesSlides/notesSlide11.xml><?xml version="1.0" encoding="utf-8"?>
+<p:notes xmlns:a="http://schemas.openxmlformats.org/drawingml/2006/main" xmlns:r="http://schemas.openxmlformats.org/officeDocument/2006/relationships" xmlns:p="http://schemas.openxmlformats.org/presentationml/2006/main">
+  <p:cSld>
+    <p:spTree>
+      <p:nvGrpSpPr>
+        <p:cNvPr id="1" name=""/>
+        <p:cNvGrpSpPr/>
+        <p:nvPr/>
+      </p:nvGrpSpPr>
+      <p:grpSpPr>
+        <a:xfrm>
+          <a:off x="0" y="0"/>
+          <a:ext cx="0" cy="0"/>
+          <a:chOff x="0" y="0"/>
+          <a:chExt cx="0" cy="0"/>
+        </a:xfrm>
+      </p:grpSpPr>
+      <p:sp>
+        <p:nvSpPr>
+          <p:cNvPr id="2" name="Marcador de Posição da Imagem do Diapositivo 1"/>
+          <p:cNvSpPr>
+            <a:spLocks noGrp="1" noRot="1" noChangeAspect="1"/>
+          </p:cNvSpPr>
+          <p:nvPr>
+            <p:ph type="sldImg"/>
+          </p:nvPr>
+        </p:nvSpPr>
+        <p:spPr/>
+      </p:sp>
+      <p:sp>
+        <p:nvSpPr>
+          <p:cNvPr id="3" name="Marcador de Posição de Notas 2"/>
+          <p:cNvSpPr>
+            <a:spLocks noGrp="1"/>
+          </p:cNvSpPr>
+          <p:nvPr>
+            <p:ph type="body" idx="1"/>
+          </p:nvPr>
+        </p:nvSpPr>
+        <p:spPr/>
+        <p:txBody>
+          <a:bodyPr/>
+          <a:lstStyle/>
+          <a:p>
+            <a:endParaRPr lang="pt-PT" dirty="0"/>
+          </a:p>
+        </p:txBody>
+      </p:sp>
+      <p:sp>
+        <p:nvSpPr>
+          <p:cNvPr id="4" name="Marcador de Posição do Número do Diapositivo 3"/>
+          <p:cNvSpPr>
+            <a:spLocks noGrp="1"/>
+          </p:cNvSpPr>
+          <p:nvPr>
+            <p:ph type="sldNum" sz="quarter" idx="5"/>
+          </p:nvPr>
+        </p:nvSpPr>
+        <p:spPr/>
+        <p:txBody>
+          <a:bodyPr/>
+          <a:lstStyle/>
+          <a:p>
+            <a:fld id="{F3DD545E-D36A-4832-938A-2ECADA69E4C6}" type="slidenum">
+              <a:rPr lang="pt-PT" smtClean="0"/>
+              <a:pPr/>
+              <a:t>11</a:t>
+            </a:fld>
+            <a:endParaRPr lang="pt-PT"/>
+          </a:p>
+        </p:txBody>
+      </p:sp>
+    </p:spTree>
+    <p:extLst>
+      <p:ext uri="{BB962C8B-B14F-4D97-AF65-F5344CB8AC3E}">
+        <p14:creationId xmlns:p14="http://schemas.microsoft.com/office/powerpoint/2010/main" val="1216663816"/>
+      </p:ext>
+    </p:extLst>
+  </p:cSld>
+  <p:clrMapOvr>
+    <a:masterClrMapping/>
+  </p:clrMapOvr>
+</p:notes>
+</file>
+
 <file path=ppt/notesSlides/notesSlide2.xml><?xml version="1.0" encoding="utf-8"?>
 <p:notes xmlns:a="http://schemas.openxmlformats.org/drawingml/2006/main" xmlns:r="http://schemas.openxmlformats.org/officeDocument/2006/relationships" xmlns:p="http://schemas.openxmlformats.org/presentationml/2006/main">
   <p:cSld>
@@ -930,7 +1116,7 @@
     </p:spTree>
     <p:extLst>
       <p:ext uri="{BB962C8B-B14F-4D97-AF65-F5344CB8AC3E}">
-        <p14:creationId xmlns:p14="http://schemas.microsoft.com/office/powerpoint/2010/main" val="3358033158"/>
+        <p14:creationId xmlns:p14="http://schemas.microsoft.com/office/powerpoint/2010/main" val="1655482677"/>
       </p:ext>
     </p:extLst>
   </p:cSld>
@@ -1029,7 +1215,7 @@
     </p:spTree>
     <p:extLst>
       <p:ext uri="{BB962C8B-B14F-4D97-AF65-F5344CB8AC3E}">
-        <p14:creationId xmlns:p14="http://schemas.microsoft.com/office/powerpoint/2010/main" val="3383565406"/>
+        <p14:creationId xmlns:p14="http://schemas.microsoft.com/office/powerpoint/2010/main" val="3358033158"/>
       </p:ext>
     </p:extLst>
   </p:cSld>
@@ -1128,7 +1314,7 @@
     </p:spTree>
     <p:extLst>
       <p:ext uri="{BB962C8B-B14F-4D97-AF65-F5344CB8AC3E}">
-        <p14:creationId xmlns:p14="http://schemas.microsoft.com/office/powerpoint/2010/main" val="1570285260"/>
+        <p14:creationId xmlns:p14="http://schemas.microsoft.com/office/powerpoint/2010/main" val="3383565406"/>
       </p:ext>
     </p:extLst>
   </p:cSld>
@@ -1227,7 +1413,7 @@
     </p:spTree>
     <p:extLst>
       <p:ext uri="{BB962C8B-B14F-4D97-AF65-F5344CB8AC3E}">
-        <p14:creationId xmlns:p14="http://schemas.microsoft.com/office/powerpoint/2010/main" val="4088264249"/>
+        <p14:creationId xmlns:p14="http://schemas.microsoft.com/office/powerpoint/2010/main" val="1570285260"/>
       </p:ext>
     </p:extLst>
   </p:cSld>
@@ -1326,7 +1512,7 @@
     </p:spTree>
     <p:extLst>
       <p:ext uri="{BB962C8B-B14F-4D97-AF65-F5344CB8AC3E}">
-        <p14:creationId xmlns:p14="http://schemas.microsoft.com/office/powerpoint/2010/main" val="1925847548"/>
+        <p14:creationId xmlns:p14="http://schemas.microsoft.com/office/powerpoint/2010/main" val="4088264249"/>
       </p:ext>
     </p:extLst>
   </p:cSld>
@@ -1425,7 +1611,7 @@
     </p:spTree>
     <p:extLst>
       <p:ext uri="{BB962C8B-B14F-4D97-AF65-F5344CB8AC3E}">
-        <p14:creationId xmlns:p14="http://schemas.microsoft.com/office/powerpoint/2010/main" val="1655482677"/>
+        <p14:creationId xmlns:p14="http://schemas.microsoft.com/office/powerpoint/2010/main" val="1925847548"/>
       </p:ext>
     </p:extLst>
   </p:cSld>
@@ -1454,63 +1640,77 @@
       </p:grpSpPr>
       <p:sp>
         <p:nvSpPr>
-          <p:cNvPr id="2" name="Marcador de Posição da Imagem do Diapositivo 1"/>
-          <p:cNvSpPr>
-            <a:spLocks noGrp="1" noRot="1" noChangeAspect="1"/>
+          <p:cNvPr id="93186" name="Rectangle 7"/>
+          <p:cNvSpPr>
+            <a:spLocks noGrp="1" noChangeArrowheads="1"/>
+          </p:cNvSpPr>
+          <p:nvPr>
+            <p:ph type="sldNum" sz="quarter" idx="5"/>
+          </p:nvPr>
+        </p:nvSpPr>
+        <p:spPr>
+          <a:noFill/>
+        </p:spPr>
+        <p:txBody>
+          <a:bodyPr/>
+          <a:lstStyle/>
+          <a:p>
+            <a:fld id="{497D1F5F-AB60-452E-AA79-64E25350F70B}" type="slidenum">
+              <a:rPr lang="pt-PT" smtClean="0">
+                <a:latin typeface="Arial" pitchFamily="34" charset="0"/>
+              </a:rPr>
+              <a:pPr/>
+              <a:t>9</a:t>
+            </a:fld>
+            <a:endParaRPr lang="pt-PT">
+              <a:latin typeface="Arial" pitchFamily="34" charset="0"/>
+            </a:endParaRPr>
+          </a:p>
+        </p:txBody>
+      </p:sp>
+      <p:sp>
+        <p:nvSpPr>
+          <p:cNvPr id="93187" name="Rectangle 2"/>
+          <p:cNvSpPr>
+            <a:spLocks noGrp="1" noRot="1" noChangeAspect="1" noChangeArrowheads="1" noTextEdit="1"/>
           </p:cNvSpPr>
           <p:nvPr>
             <p:ph type="sldImg"/>
           </p:nvPr>
         </p:nvSpPr>
-        <p:spPr/>
-      </p:sp>
-      <p:sp>
-        <p:nvSpPr>
-          <p:cNvPr id="3" name="Marcador de Posição de Notas 2"/>
-          <p:cNvSpPr>
-            <a:spLocks noGrp="1"/>
+        <p:spPr>
+          <a:ln/>
+        </p:spPr>
+      </p:sp>
+      <p:sp>
+        <p:nvSpPr>
+          <p:cNvPr id="93188" name="Rectangle 3"/>
+          <p:cNvSpPr>
+            <a:spLocks noGrp="1" noChangeArrowheads="1"/>
           </p:cNvSpPr>
           <p:nvPr>
             <p:ph type="body" idx="1"/>
           </p:nvPr>
         </p:nvSpPr>
-        <p:spPr/>
+        <p:spPr>
+          <a:noFill/>
+          <a:ln/>
+        </p:spPr>
         <p:txBody>
           <a:bodyPr/>
           <a:lstStyle/>
           <a:p>
-            <a:endParaRPr lang="pt-PT" dirty="0"/>
-          </a:p>
-        </p:txBody>
-      </p:sp>
-      <p:sp>
-        <p:nvSpPr>
-          <p:cNvPr id="4" name="Marcador de Posição do Número do Diapositivo 3"/>
-          <p:cNvSpPr>
-            <a:spLocks noGrp="1"/>
-          </p:cNvSpPr>
-          <p:nvPr>
-            <p:ph type="sldNum" sz="quarter" idx="5"/>
-          </p:nvPr>
-        </p:nvSpPr>
-        <p:spPr/>
-        <p:txBody>
-          <a:bodyPr/>
-          <a:lstStyle/>
-          <a:p>
-            <a:fld id="{F3DD545E-D36A-4832-938A-2ECADA69E4C6}" type="slidenum">
-              <a:rPr lang="pt-PT" smtClean="0"/>
-              <a:pPr/>
-              <a:t>9</a:t>
-            </a:fld>
-            <a:endParaRPr lang="pt-PT"/>
+            <a:pPr eaLnBrk="1" hangingPunct="1"/>
+            <a:endParaRPr lang="pt-PT">
+              <a:latin typeface="Arial" pitchFamily="34" charset="0"/>
+            </a:endParaRPr>
           </a:p>
         </p:txBody>
       </p:sp>
     </p:spTree>
     <p:extLst>
       <p:ext uri="{BB962C8B-B14F-4D97-AF65-F5344CB8AC3E}">
-        <p14:creationId xmlns:p14="http://schemas.microsoft.com/office/powerpoint/2010/main" val="164900436"/>
+        <p14:creationId xmlns:p14="http://schemas.microsoft.com/office/powerpoint/2010/main" val="2329015567"/>
       </p:ext>
     </p:extLst>
   </p:cSld>
@@ -1702,7 +1902,7 @@
             <a:fld id="{A4A3E61B-3AB3-490F-90D4-269C8A444AE7}" type="datetimeFigureOut">
               <a:rPr lang="en-US" smtClean="0"/>
               <a:pPr/>
-              <a:t>5/23/2023</a:t>
+              <a:t>5/25/2023</a:t>
             </a:fld>
             <a:endParaRPr lang="en-US"/>
           </a:p>
@@ -1869,7 +2069,7 @@
             <a:fld id="{A4A3E61B-3AB3-490F-90D4-269C8A444AE7}" type="datetimeFigureOut">
               <a:rPr lang="en-US" smtClean="0"/>
               <a:pPr/>
-              <a:t>5/23/2023</a:t>
+              <a:t>5/25/2023</a:t>
             </a:fld>
             <a:endParaRPr lang="en-US"/>
           </a:p>
@@ -2046,7 +2246,7 @@
             <a:fld id="{A4A3E61B-3AB3-490F-90D4-269C8A444AE7}" type="datetimeFigureOut">
               <a:rPr lang="en-US" smtClean="0"/>
               <a:pPr/>
-              <a:t>5/23/2023</a:t>
+              <a:t>5/25/2023</a:t>
             </a:fld>
             <a:endParaRPr lang="en-US"/>
           </a:p>
@@ -2213,7 +2413,7 @@
             <a:fld id="{A4A3E61B-3AB3-490F-90D4-269C8A444AE7}" type="datetimeFigureOut">
               <a:rPr lang="en-US" smtClean="0"/>
               <a:pPr/>
-              <a:t>5/23/2023</a:t>
+              <a:t>5/25/2023</a:t>
             </a:fld>
             <a:endParaRPr lang="en-US"/>
           </a:p>
@@ -2456,7 +2656,7 @@
             <a:fld id="{A4A3E61B-3AB3-490F-90D4-269C8A444AE7}" type="datetimeFigureOut">
               <a:rPr lang="en-US" smtClean="0"/>
               <a:pPr/>
-              <a:t>5/23/2023</a:t>
+              <a:t>5/25/2023</a:t>
             </a:fld>
             <a:endParaRPr lang="en-US"/>
           </a:p>
@@ -2741,7 +2941,7 @@
             <a:fld id="{A4A3E61B-3AB3-490F-90D4-269C8A444AE7}" type="datetimeFigureOut">
               <a:rPr lang="en-US" smtClean="0"/>
               <a:pPr/>
-              <a:t>5/23/2023</a:t>
+              <a:t>5/25/2023</a:t>
             </a:fld>
             <a:endParaRPr lang="en-US"/>
           </a:p>
@@ -3160,7 +3360,7 @@
             <a:fld id="{A4A3E61B-3AB3-490F-90D4-269C8A444AE7}" type="datetimeFigureOut">
               <a:rPr lang="en-US" smtClean="0"/>
               <a:pPr/>
-              <a:t>5/23/2023</a:t>
+              <a:t>5/25/2023</a:t>
             </a:fld>
             <a:endParaRPr lang="en-US"/>
           </a:p>
@@ -3275,7 +3475,7 @@
             <a:fld id="{A4A3E61B-3AB3-490F-90D4-269C8A444AE7}" type="datetimeFigureOut">
               <a:rPr lang="en-US" smtClean="0"/>
               <a:pPr/>
-              <a:t>5/23/2023</a:t>
+              <a:t>5/25/2023</a:t>
             </a:fld>
             <a:endParaRPr lang="en-US"/>
           </a:p>
@@ -3367,7 +3567,7 @@
             <a:fld id="{A4A3E61B-3AB3-490F-90D4-269C8A444AE7}" type="datetimeFigureOut">
               <a:rPr lang="en-US" smtClean="0"/>
               <a:pPr/>
-              <a:t>5/23/2023</a:t>
+              <a:t>5/25/2023</a:t>
             </a:fld>
             <a:endParaRPr lang="en-US"/>
           </a:p>
@@ -3641,7 +3841,7 @@
             <a:fld id="{A4A3E61B-3AB3-490F-90D4-269C8A444AE7}" type="datetimeFigureOut">
               <a:rPr lang="en-US" smtClean="0"/>
               <a:pPr/>
-              <a:t>5/23/2023</a:t>
+              <a:t>5/25/2023</a:t>
             </a:fld>
             <a:endParaRPr lang="en-US"/>
           </a:p>
@@ -3891,7 +4091,7 @@
             <a:fld id="{A4A3E61B-3AB3-490F-90D4-269C8A444AE7}" type="datetimeFigureOut">
               <a:rPr lang="en-US" smtClean="0"/>
               <a:pPr/>
-              <a:t>5/23/2023</a:t>
+              <a:t>5/25/2023</a:t>
             </a:fld>
             <a:endParaRPr lang="en-US"/>
           </a:p>
@@ -4101,7 +4301,7 @@
             <a:fld id="{A4A3E61B-3AB3-490F-90D4-269C8A444AE7}" type="datetimeFigureOut">
               <a:rPr lang="en-US" smtClean="0"/>
               <a:pPr/>
-              <a:t>5/23/2023</a:t>
+              <a:t>5/25/2023</a:t>
             </a:fld>
             <a:endParaRPr lang="en-US"/>
           </a:p>
@@ -4931,6 +5131,19 @@
               <a:defRPr/>
             </a:pPr>
             <a:r>
+              <a:rPr lang="pt-PT" sz="2800" b="1" dirty="0" err="1">
+                <a:solidFill>
+                  <a:srgbClr val="FF3300"/>
+                </a:solidFill>
+                <a:effectLst>
+                  <a:outerShdw blurRad="38100" dist="38100" dir="2700000" algn="tl">
+                    <a:srgbClr val="C0C0C0"/>
+                  </a:outerShdw>
+                </a:effectLst>
+              </a:rPr>
+              <a:t>Product</a:t>
+            </a:r>
+            <a:r>
               <a:rPr lang="pt-PT" sz="2800" b="1" dirty="0">
                 <a:solidFill>
                   <a:srgbClr val="FF3300"/>
@@ -4941,7 +5154,7 @@
                   </a:outerShdw>
                 </a:effectLst>
               </a:rPr>
-              <a:t>Amazon </a:t>
+              <a:t> </a:t>
             </a:r>
             <a:r>
               <a:rPr lang="pt-PT" sz="2800" b="1" dirty="0" err="1">
@@ -5137,6 +5350,1332 @@
         </p:spPr>
       </p:pic>
     </p:spTree>
+  </p:cSld>
+  <p:clrMapOvr>
+    <a:masterClrMapping/>
+  </p:clrMapOvr>
+</p:sld>
+</file>
+
+<file path=ppt/slides/slide10.xml><?xml version="1.0" encoding="utf-8"?>
+<p:sld xmlns:a="http://schemas.openxmlformats.org/drawingml/2006/main" xmlns:r="http://schemas.openxmlformats.org/officeDocument/2006/relationships" xmlns:p="http://schemas.openxmlformats.org/presentationml/2006/main">
+  <p:cSld>
+    <p:spTree>
+      <p:nvGrpSpPr>
+        <p:cNvPr id="1" name=""/>
+        <p:cNvGrpSpPr/>
+        <p:nvPr/>
+      </p:nvGrpSpPr>
+      <p:grpSpPr>
+        <a:xfrm>
+          <a:off x="0" y="0"/>
+          <a:ext cx="0" cy="0"/>
+          <a:chOff x="0" y="0"/>
+          <a:chExt cx="0" cy="0"/>
+        </a:xfrm>
+      </p:grpSpPr>
+      <p:sp>
+        <p:nvSpPr>
+          <p:cNvPr id="10245" name="Line 12"/>
+          <p:cNvSpPr>
+            <a:spLocks noChangeShapeType="1"/>
+          </p:cNvSpPr>
+          <p:nvPr/>
+        </p:nvSpPr>
+        <p:spPr bwMode="auto">
+          <a:xfrm>
+            <a:off x="0" y="981075"/>
+            <a:ext cx="9150350" cy="0"/>
+          </a:xfrm>
+          <a:prstGeom prst="line">
+            <a:avLst/>
+          </a:prstGeom>
+          <a:noFill/>
+          <a:ln w="9525">
+            <a:solidFill>
+              <a:srgbClr val="FF9900"/>
+            </a:solidFill>
+            <a:round/>
+            <a:headEnd/>
+            <a:tailEnd/>
+          </a:ln>
+        </p:spPr>
+        <p:txBody>
+          <a:bodyPr/>
+          <a:lstStyle/>
+          <a:p>
+            <a:endParaRPr lang="pt-PT"/>
+          </a:p>
+        </p:txBody>
+      </p:sp>
+      <p:sp>
+        <p:nvSpPr>
+          <p:cNvPr id="9229" name="Text Box 13"/>
+          <p:cNvSpPr txBox="1">
+            <a:spLocks noChangeArrowheads="1"/>
+          </p:cNvSpPr>
+          <p:nvPr/>
+        </p:nvSpPr>
+        <p:spPr bwMode="auto">
+          <a:xfrm>
+            <a:off x="306388" y="516116"/>
+            <a:ext cx="6981825" cy="400110"/>
+          </a:xfrm>
+          <a:prstGeom prst="rect">
+            <a:avLst/>
+          </a:prstGeom>
+          <a:noFill/>
+          <a:ln w="9525">
+            <a:noFill/>
+            <a:miter lim="800000"/>
+            <a:headEnd/>
+            <a:tailEnd/>
+          </a:ln>
+          <a:effectLst/>
+        </p:spPr>
+        <p:txBody>
+          <a:bodyPr>
+            <a:spAutoFit/>
+          </a:bodyPr>
+          <a:lstStyle/>
+          <a:p>
+            <a:pPr>
+              <a:spcBef>
+                <a:spcPct val="50000"/>
+              </a:spcBef>
+              <a:defRPr/>
+            </a:pPr>
+            <a:r>
+              <a:rPr lang="pt-PT" sz="2000" b="1" dirty="0">
+                <a:solidFill>
+                  <a:srgbClr val="C00000"/>
+                </a:solidFill>
+                <a:effectLst>
+                  <a:outerShdw blurRad="38100" dist="38100" dir="2700000" algn="tl">
+                    <a:srgbClr val="C0C0C0"/>
+                  </a:outerShdw>
+                </a:effectLst>
+                <a:latin typeface="Arial"/>
+                <a:cs typeface="Arial"/>
+              </a:rPr>
+              <a:t>■</a:t>
+            </a:r>
+            <a:r>
+              <a:rPr lang="pt-PT" sz="2000" b="1" dirty="0">
+                <a:effectLst>
+                  <a:outerShdw blurRad="38100" dist="38100" dir="2700000" algn="tl">
+                    <a:srgbClr val="C0C0C0"/>
+                  </a:outerShdw>
+                </a:effectLst>
+                <a:latin typeface="Arial"/>
+                <a:cs typeface="Arial"/>
+              </a:rPr>
+              <a:t> Demonstração</a:t>
+            </a:r>
+            <a:endParaRPr lang="pt-PT" sz="2000" b="1" dirty="0">
+              <a:effectLst>
+                <a:outerShdw blurRad="38100" dist="38100" dir="2700000" algn="tl">
+                  <a:srgbClr val="C0C0C0"/>
+                </a:outerShdw>
+              </a:effectLst>
+              <a:latin typeface="Arial" charset="0"/>
+            </a:endParaRPr>
+          </a:p>
+        </p:txBody>
+      </p:sp>
+      <p:sp>
+        <p:nvSpPr>
+          <p:cNvPr id="10247" name="Line 15"/>
+          <p:cNvSpPr>
+            <a:spLocks noChangeShapeType="1"/>
+          </p:cNvSpPr>
+          <p:nvPr/>
+        </p:nvSpPr>
+        <p:spPr bwMode="auto">
+          <a:xfrm>
+            <a:off x="250825" y="0"/>
+            <a:ext cx="0" cy="765175"/>
+          </a:xfrm>
+          <a:prstGeom prst="line">
+            <a:avLst/>
+          </a:prstGeom>
+          <a:noFill/>
+          <a:ln w="25400">
+            <a:solidFill>
+              <a:schemeClr val="tx1"/>
+            </a:solidFill>
+            <a:round/>
+            <a:headEnd/>
+            <a:tailEnd/>
+          </a:ln>
+        </p:spPr>
+        <p:txBody>
+          <a:bodyPr/>
+          <a:lstStyle/>
+          <a:p>
+            <a:endParaRPr lang="pt-PT"/>
+          </a:p>
+        </p:txBody>
+      </p:sp>
+      <p:sp>
+        <p:nvSpPr>
+          <p:cNvPr id="9237" name="Text Box 21"/>
+          <p:cNvSpPr txBox="1">
+            <a:spLocks noChangeArrowheads="1"/>
+          </p:cNvSpPr>
+          <p:nvPr/>
+        </p:nvSpPr>
+        <p:spPr bwMode="auto">
+          <a:xfrm>
+            <a:off x="260350" y="44450"/>
+            <a:ext cx="6981825" cy="304800"/>
+          </a:xfrm>
+          <a:prstGeom prst="rect">
+            <a:avLst/>
+          </a:prstGeom>
+          <a:noFill/>
+          <a:ln w="9525">
+            <a:noFill/>
+            <a:miter lim="800000"/>
+            <a:headEnd/>
+            <a:tailEnd/>
+          </a:ln>
+          <a:effectLst/>
+        </p:spPr>
+        <p:txBody>
+          <a:bodyPr>
+            <a:spAutoFit/>
+          </a:bodyPr>
+          <a:lstStyle/>
+          <a:p>
+            <a:pPr>
+              <a:spcBef>
+                <a:spcPct val="50000"/>
+              </a:spcBef>
+              <a:defRPr/>
+            </a:pPr>
+            <a:endParaRPr lang="pt-PT" sz="1400" b="1" dirty="0">
+              <a:solidFill>
+                <a:srgbClr val="FF3300"/>
+              </a:solidFill>
+              <a:effectLst>
+                <a:outerShdw blurRad="38100" dist="38100" dir="2700000" algn="tl">
+                  <a:srgbClr val="C0C0C0"/>
+                </a:outerShdw>
+              </a:effectLst>
+              <a:latin typeface="Arial" charset="0"/>
+            </a:endParaRPr>
+          </a:p>
+        </p:txBody>
+      </p:sp>
+      <p:sp>
+        <p:nvSpPr>
+          <p:cNvPr id="4" name="Line 9">
+            <a:extLst>
+              <a:ext uri="{FF2B5EF4-FFF2-40B4-BE49-F238E27FC236}">
+                <a16:creationId xmlns:a16="http://schemas.microsoft.com/office/drawing/2014/main" id="{94CFBC5A-2BEC-4B95-9122-2517652F119E}"/>
+              </a:ext>
+            </a:extLst>
+          </p:cNvPr>
+          <p:cNvSpPr>
+            <a:spLocks noChangeShapeType="1"/>
+          </p:cNvSpPr>
+          <p:nvPr/>
+        </p:nvSpPr>
+        <p:spPr bwMode="auto">
+          <a:xfrm>
+            <a:off x="0" y="6400800"/>
+            <a:ext cx="9150350" cy="0"/>
+          </a:xfrm>
+          <a:prstGeom prst="line">
+            <a:avLst/>
+          </a:prstGeom>
+          <a:noFill/>
+          <a:ln w="9525">
+            <a:solidFill>
+              <a:srgbClr val="FF9900"/>
+            </a:solidFill>
+            <a:round/>
+            <a:headEnd/>
+            <a:tailEnd/>
+          </a:ln>
+        </p:spPr>
+        <p:txBody>
+          <a:bodyPr/>
+          <a:lstStyle/>
+          <a:p>
+            <a:endParaRPr lang="pt-PT"/>
+          </a:p>
+        </p:txBody>
+      </p:sp>
+      <p:sp>
+        <p:nvSpPr>
+          <p:cNvPr id="5" name="Text Box 10">
+            <a:extLst>
+              <a:ext uri="{FF2B5EF4-FFF2-40B4-BE49-F238E27FC236}">
+                <a16:creationId xmlns:a16="http://schemas.microsoft.com/office/drawing/2014/main" id="{056A0BF7-C320-484A-B082-E75682DDC92B}"/>
+              </a:ext>
+            </a:extLst>
+          </p:cNvPr>
+          <p:cNvSpPr txBox="1">
+            <a:spLocks noChangeArrowheads="1"/>
+          </p:cNvSpPr>
+          <p:nvPr/>
+        </p:nvSpPr>
+        <p:spPr bwMode="auto">
+          <a:xfrm>
+            <a:off x="8288338" y="6296025"/>
+            <a:ext cx="827087" cy="366713"/>
+          </a:xfrm>
+          <a:prstGeom prst="rect">
+            <a:avLst/>
+          </a:prstGeom>
+          <a:noFill/>
+          <a:ln w="9525">
+            <a:noFill/>
+            <a:miter lim="800000"/>
+            <a:headEnd/>
+            <a:tailEnd/>
+          </a:ln>
+        </p:spPr>
+        <p:txBody>
+          <a:bodyPr>
+            <a:spAutoFit/>
+          </a:bodyPr>
+          <a:lstStyle/>
+          <a:p>
+            <a:pPr>
+              <a:spcBef>
+                <a:spcPct val="50000"/>
+              </a:spcBef>
+            </a:pPr>
+            <a:endParaRPr lang="pt-PT"/>
+          </a:p>
+        </p:txBody>
+      </p:sp>
+      <p:sp>
+        <p:nvSpPr>
+          <p:cNvPr id="6" name="Rectangle 11">
+            <a:extLst>
+              <a:ext uri="{FF2B5EF4-FFF2-40B4-BE49-F238E27FC236}">
+                <a16:creationId xmlns:a16="http://schemas.microsoft.com/office/drawing/2014/main" id="{3FA1D4C1-DF59-4837-AE58-6FCE52699B3E}"/>
+              </a:ext>
+            </a:extLst>
+          </p:cNvPr>
+          <p:cNvSpPr>
+            <a:spLocks noChangeArrowheads="1"/>
+          </p:cNvSpPr>
+          <p:nvPr/>
+        </p:nvSpPr>
+        <p:spPr bwMode="auto">
+          <a:xfrm>
+            <a:off x="8207375" y="6597650"/>
+            <a:ext cx="936625" cy="260350"/>
+          </a:xfrm>
+          <a:prstGeom prst="rect">
+            <a:avLst/>
+          </a:prstGeom>
+          <a:noFill/>
+          <a:ln w="9525">
+            <a:noFill/>
+            <a:miter lim="800000"/>
+            <a:headEnd/>
+            <a:tailEnd/>
+          </a:ln>
+        </p:spPr>
+        <p:txBody>
+          <a:bodyPr anchor="ctr"/>
+          <a:lstStyle/>
+          <a:p>
+            <a:pPr algn="ctr"/>
+            <a:r>
+              <a:rPr lang="pt-PT" sz="1000" dirty="0"/>
+              <a:t>- </a:t>
+            </a:r>
+            <a:fld id="{1234D2FF-8FB9-47A1-B8C9-42A5F500BA2F}" type="slidenum">
+              <a:rPr lang="pt-PT" sz="1000"/>
+              <a:pPr algn="ctr"/>
+              <a:t>10</a:t>
+            </a:fld>
+            <a:r>
+              <a:rPr lang="pt-PT" sz="1000" dirty="0"/>
+              <a:t> -</a:t>
+            </a:r>
+          </a:p>
+        </p:txBody>
+      </p:sp>
+      <p:sp>
+        <p:nvSpPr>
+          <p:cNvPr id="7" name="Rectângulo 10">
+            <a:extLst>
+              <a:ext uri="{FF2B5EF4-FFF2-40B4-BE49-F238E27FC236}">
+                <a16:creationId xmlns:a16="http://schemas.microsoft.com/office/drawing/2014/main" id="{61680BFE-3DF9-46CB-889D-ABCA07F65F06}"/>
+              </a:ext>
+            </a:extLst>
+          </p:cNvPr>
+          <p:cNvSpPr>
+            <a:spLocks noChangeArrowheads="1"/>
+          </p:cNvSpPr>
+          <p:nvPr/>
+        </p:nvSpPr>
+        <p:spPr bwMode="auto">
+          <a:xfrm>
+            <a:off x="0" y="6400800"/>
+            <a:ext cx="5410200" cy="299313"/>
+          </a:xfrm>
+          <a:prstGeom prst="rect">
+            <a:avLst/>
+          </a:prstGeom>
+          <a:noFill/>
+          <a:ln w="9525">
+            <a:noFill/>
+            <a:miter lim="800000"/>
+            <a:headEnd/>
+            <a:tailEnd/>
+          </a:ln>
+        </p:spPr>
+        <p:txBody>
+          <a:bodyPr wrap="square">
+            <a:spAutoFit/>
+          </a:bodyPr>
+          <a:lstStyle/>
+          <a:p>
+            <a:pPr>
+              <a:lnSpc>
+                <a:spcPct val="150000"/>
+              </a:lnSpc>
+            </a:pPr>
+            <a:r>
+              <a:rPr lang="pt-PT" sz="1000" b="1" dirty="0"/>
+              <a:t>@2022/2023 – </a:t>
+            </a:r>
+            <a:r>
+              <a:rPr lang="pt-PT" sz="1000" b="1" dirty="0" err="1"/>
+              <a:t>Topic</a:t>
+            </a:r>
+            <a:r>
+              <a:rPr lang="pt-PT" sz="1000" b="1" dirty="0"/>
+              <a:t> </a:t>
+            </a:r>
+            <a:r>
+              <a:rPr lang="pt-PT" sz="1000" b="1" dirty="0" err="1"/>
+              <a:t>Modeling</a:t>
+            </a:r>
+            <a:r>
+              <a:rPr lang="pt-PT" sz="1000" b="1" dirty="0"/>
+              <a:t> </a:t>
+            </a:r>
+            <a:r>
+              <a:rPr lang="pt-PT" sz="1000" b="1" dirty="0" err="1"/>
+              <a:t>on</a:t>
+            </a:r>
+            <a:r>
+              <a:rPr lang="pt-PT" sz="1000" b="1" dirty="0"/>
+              <a:t> </a:t>
+            </a:r>
+            <a:r>
+              <a:rPr lang="pt-PT" sz="1000" b="1" dirty="0" err="1"/>
+              <a:t>Product</a:t>
+            </a:r>
+            <a:r>
+              <a:rPr lang="pt-PT" sz="1000" b="1" dirty="0"/>
+              <a:t> </a:t>
+            </a:r>
+            <a:r>
+              <a:rPr lang="pt-PT" sz="1000" b="1" dirty="0" err="1"/>
+              <a:t>Reviews</a:t>
+            </a:r>
+            <a:endParaRPr lang="pt-PT" sz="1000" b="1" dirty="0"/>
+          </a:p>
+        </p:txBody>
+      </p:sp>
+      <p:sp>
+        <p:nvSpPr>
+          <p:cNvPr id="12" name="CaixaDeTexto 11">
+            <a:extLst>
+              <a:ext uri="{FF2B5EF4-FFF2-40B4-BE49-F238E27FC236}">
+                <a16:creationId xmlns:a16="http://schemas.microsoft.com/office/drawing/2014/main" id="{E11EED7C-F203-447C-8DD1-A9C2FABC7866}"/>
+              </a:ext>
+            </a:extLst>
+          </p:cNvPr>
+          <p:cNvSpPr txBox="1"/>
+          <p:nvPr/>
+        </p:nvSpPr>
+        <p:spPr>
+          <a:xfrm>
+            <a:off x="520325" y="1828800"/>
+            <a:ext cx="8305800" cy="1998047"/>
+          </a:xfrm>
+          <a:prstGeom prst="rect">
+            <a:avLst/>
+          </a:prstGeom>
+          <a:noFill/>
+          <a:ln>
+            <a:noFill/>
+          </a:ln>
+        </p:spPr>
+        <p:txBody>
+          <a:bodyPr wrap="square" rtlCol="0">
+            <a:spAutoFit/>
+          </a:bodyPr>
+          <a:lstStyle/>
+          <a:p>
+            <a:pPr algn="ctr">
+              <a:lnSpc>
+                <a:spcPct val="200000"/>
+              </a:lnSpc>
+            </a:pPr>
+            <a:r>
+              <a:rPr lang="pt-PT" sz="7200" b="1" dirty="0"/>
+              <a:t>Demonstração</a:t>
+            </a:r>
+          </a:p>
+        </p:txBody>
+      </p:sp>
+      <p:sp>
+        <p:nvSpPr>
+          <p:cNvPr id="15" name="Rectângulo 19">
+            <a:extLst>
+              <a:ext uri="{FF2B5EF4-FFF2-40B4-BE49-F238E27FC236}">
+                <a16:creationId xmlns:a16="http://schemas.microsoft.com/office/drawing/2014/main" id="{309057DF-86E4-413D-AC38-2D9491158B43}"/>
+              </a:ext>
+            </a:extLst>
+          </p:cNvPr>
+          <p:cNvSpPr/>
+          <p:nvPr/>
+        </p:nvSpPr>
+        <p:spPr>
+          <a:xfrm>
+            <a:off x="4673225" y="132281"/>
+            <a:ext cx="3505200" cy="261610"/>
+          </a:xfrm>
+          <a:prstGeom prst="rect">
+            <a:avLst/>
+          </a:prstGeom>
+        </p:spPr>
+        <p:txBody>
+          <a:bodyPr wrap="square">
+            <a:spAutoFit/>
+          </a:bodyPr>
+          <a:lstStyle/>
+          <a:p>
+            <a:pPr algn="r"/>
+            <a:r>
+              <a:rPr lang="pt-PT" sz="1100" b="1" cap="all" dirty="0"/>
+              <a:t>Mestrado em Engenharia Informática</a:t>
+            </a:r>
+          </a:p>
+        </p:txBody>
+      </p:sp>
+      <p:sp>
+        <p:nvSpPr>
+          <p:cNvPr id="16" name="Rectângulo 14">
+            <a:extLst>
+              <a:ext uri="{FF2B5EF4-FFF2-40B4-BE49-F238E27FC236}">
+                <a16:creationId xmlns:a16="http://schemas.microsoft.com/office/drawing/2014/main" id="{7842195F-360C-4E2E-B0F6-F5C0E64B1D4E}"/>
+              </a:ext>
+            </a:extLst>
+          </p:cNvPr>
+          <p:cNvSpPr/>
+          <p:nvPr/>
+        </p:nvSpPr>
+        <p:spPr>
+          <a:xfrm>
+            <a:off x="5867400" y="490354"/>
+            <a:ext cx="2205732" cy="369332"/>
+          </a:xfrm>
+          <a:prstGeom prst="rect">
+            <a:avLst/>
+          </a:prstGeom>
+        </p:spPr>
+        <p:txBody>
+          <a:bodyPr wrap="none">
+            <a:spAutoFit/>
+          </a:bodyPr>
+          <a:lstStyle/>
+          <a:p>
+            <a:pPr>
+              <a:spcBef>
+                <a:spcPct val="50000"/>
+              </a:spcBef>
+              <a:defRPr/>
+            </a:pPr>
+            <a:r>
+              <a:rPr lang="pt-PT" b="1" dirty="0">
+                <a:solidFill>
+                  <a:srgbClr val="FF3300"/>
+                </a:solidFill>
+                <a:effectLst>
+                  <a:outerShdw blurRad="38100" dist="38100" dir="2700000" algn="tl">
+                    <a:srgbClr val="C0C0C0"/>
+                  </a:outerShdw>
+                </a:effectLst>
+              </a:rPr>
+              <a:t>Mineração de Dados </a:t>
+            </a:r>
+          </a:p>
+        </p:txBody>
+      </p:sp>
+      <p:pic>
+        <p:nvPicPr>
+          <p:cNvPr id="2052" name="Picture 4" descr="Mapas">
+            <a:extLst>
+              <a:ext uri="{FF2B5EF4-FFF2-40B4-BE49-F238E27FC236}">
+                <a16:creationId xmlns:a16="http://schemas.microsoft.com/office/drawing/2014/main" id="{E87F1189-0489-903F-12B7-260FDB87E800}"/>
+              </a:ext>
+            </a:extLst>
+          </p:cNvPr>
+          <p:cNvPicPr>
+            <a:picLocks noChangeAspect="1" noChangeArrowheads="1"/>
+          </p:cNvPicPr>
+          <p:nvPr/>
+        </p:nvPicPr>
+        <p:blipFill>
+          <a:blip r:embed="rId3" cstate="print">
+            <a:extLst>
+              <a:ext uri="{28A0092B-C50C-407E-A947-70E740481C1C}">
+                <a14:useLocalDpi xmlns:a14="http://schemas.microsoft.com/office/drawing/2010/main" val="0"/>
+              </a:ext>
+            </a:extLst>
+          </a:blip>
+          <a:srcRect/>
+          <a:stretch>
+            <a:fillRect/>
+          </a:stretch>
+        </p:blipFill>
+        <p:spPr bwMode="auto">
+          <a:xfrm>
+            <a:off x="8372756" y="76200"/>
+            <a:ext cx="618844" cy="720000"/>
+          </a:xfrm>
+          <a:prstGeom prst="rect">
+            <a:avLst/>
+          </a:prstGeom>
+          <a:noFill/>
+          <a:extLst>
+            <a:ext uri="{909E8E84-426E-40DD-AFC4-6F175D3DCCD1}">
+              <a14:hiddenFill xmlns:a14="http://schemas.microsoft.com/office/drawing/2010/main">
+                <a:solidFill>
+                  <a:srgbClr val="FFFFFF"/>
+                </a:solidFill>
+              </a14:hiddenFill>
+            </a:ext>
+          </a:extLst>
+        </p:spPr>
+      </p:pic>
+    </p:spTree>
+    <p:extLst>
+      <p:ext uri="{BB962C8B-B14F-4D97-AF65-F5344CB8AC3E}">
+        <p14:creationId xmlns:p14="http://schemas.microsoft.com/office/powerpoint/2010/main" val="1312745755"/>
+      </p:ext>
+    </p:extLst>
+  </p:cSld>
+  <p:clrMapOvr>
+    <a:masterClrMapping/>
+  </p:clrMapOvr>
+</p:sld>
+</file>
+
+<file path=ppt/slides/slide11.xml><?xml version="1.0" encoding="utf-8"?>
+<p:sld xmlns:a="http://schemas.openxmlformats.org/drawingml/2006/main" xmlns:r="http://schemas.openxmlformats.org/officeDocument/2006/relationships" xmlns:p="http://schemas.openxmlformats.org/presentationml/2006/main">
+  <p:cSld>
+    <p:spTree>
+      <p:nvGrpSpPr>
+        <p:cNvPr id="1" name=""/>
+        <p:cNvGrpSpPr/>
+        <p:nvPr/>
+      </p:nvGrpSpPr>
+      <p:grpSpPr>
+        <a:xfrm>
+          <a:off x="0" y="0"/>
+          <a:ext cx="0" cy="0"/>
+          <a:chOff x="0" y="0"/>
+          <a:chExt cx="0" cy="0"/>
+        </a:xfrm>
+      </p:grpSpPr>
+      <p:sp>
+        <p:nvSpPr>
+          <p:cNvPr id="4" name="Text Box 12"/>
+          <p:cNvSpPr txBox="1">
+            <a:spLocks noChangeArrowheads="1"/>
+          </p:cNvSpPr>
+          <p:nvPr/>
+        </p:nvSpPr>
+        <p:spPr bwMode="auto">
+          <a:xfrm>
+            <a:off x="3656806" y="1579482"/>
+            <a:ext cx="7129462" cy="1468437"/>
+          </a:xfrm>
+          <a:prstGeom prst="rect">
+            <a:avLst/>
+          </a:prstGeom>
+          <a:noFill/>
+          <a:ln w="9525" cap="rnd">
+            <a:solidFill>
+              <a:schemeClr val="tx1"/>
+            </a:solidFill>
+            <a:prstDash val="sysDot"/>
+            <a:miter lim="800000"/>
+            <a:headEnd/>
+            <a:tailEnd/>
+          </a:ln>
+        </p:spPr>
+        <p:txBody>
+          <a:bodyPr/>
+          <a:lstStyle/>
+          <a:p>
+            <a:pPr>
+              <a:spcBef>
+                <a:spcPct val="50000"/>
+              </a:spcBef>
+            </a:pPr>
+            <a:endParaRPr lang="pt-PT"/>
+          </a:p>
+        </p:txBody>
+      </p:sp>
+      <p:sp>
+        <p:nvSpPr>
+          <p:cNvPr id="5" name="Rectangle 9"/>
+          <p:cNvSpPr>
+            <a:spLocks noChangeArrowheads="1"/>
+          </p:cNvSpPr>
+          <p:nvPr/>
+        </p:nvSpPr>
+        <p:spPr bwMode="auto">
+          <a:xfrm>
+            <a:off x="5867400" y="3962400"/>
+            <a:ext cx="5029200" cy="1844675"/>
+          </a:xfrm>
+          <a:prstGeom prst="rect">
+            <a:avLst/>
+          </a:prstGeom>
+          <a:noFill/>
+          <a:ln w="9525">
+            <a:noFill/>
+            <a:miter lim="800000"/>
+            <a:headEnd/>
+            <a:tailEnd/>
+          </a:ln>
+        </p:spPr>
+        <p:txBody>
+          <a:bodyPr anchor="ctr"/>
+          <a:lstStyle/>
+          <a:p>
+            <a:pPr>
+              <a:lnSpc>
+                <a:spcPct val="150000"/>
+              </a:lnSpc>
+            </a:pPr>
+            <a:endParaRPr lang="pt-PT" sz="1200" b="1" dirty="0"/>
+          </a:p>
+          <a:p>
+            <a:pPr>
+              <a:lnSpc>
+                <a:spcPct val="150000"/>
+              </a:lnSpc>
+            </a:pPr>
+            <a:r>
+              <a:rPr lang="pt-PT" sz="1200" b="1" dirty="0">
+                <a:solidFill>
+                  <a:srgbClr val="FFC000"/>
+                </a:solidFill>
+                <a:latin typeface="Arial"/>
+                <a:cs typeface="Arial"/>
+              </a:rPr>
+              <a:t>■</a:t>
+            </a:r>
+            <a:r>
+              <a:rPr lang="pt-PT" sz="1200" b="1" dirty="0">
+                <a:latin typeface="Arial"/>
+                <a:cs typeface="Arial"/>
+              </a:rPr>
+              <a:t> Docentes</a:t>
+            </a:r>
+            <a:r>
+              <a:rPr lang="pt-PT" sz="1200" b="1" dirty="0"/>
+              <a:t>: Prof. Rui Mendes</a:t>
+            </a:r>
+          </a:p>
+          <a:p>
+            <a:pPr>
+              <a:lnSpc>
+                <a:spcPct val="150000"/>
+              </a:lnSpc>
+            </a:pPr>
+            <a:r>
+              <a:rPr lang="pt-PT" sz="1200" b="1" dirty="0"/>
+              <a:t>	Prof. Miguel Rocha</a:t>
+            </a:r>
+          </a:p>
+          <a:p>
+            <a:pPr>
+              <a:lnSpc>
+                <a:spcPct val="150000"/>
+              </a:lnSpc>
+            </a:pPr>
+            <a:r>
+              <a:rPr lang="pt-PT" sz="1200" b="1" dirty="0"/>
+              <a:t>	</a:t>
+            </a:r>
+            <a:endParaRPr lang="pt-PT" sz="1100" dirty="0">
+              <a:solidFill>
+                <a:schemeClr val="tx2"/>
+              </a:solidFill>
+            </a:endParaRPr>
+          </a:p>
+          <a:p>
+            <a:pPr>
+              <a:lnSpc>
+                <a:spcPct val="150000"/>
+              </a:lnSpc>
+            </a:pPr>
+            <a:r>
+              <a:rPr lang="pt-PT" sz="1100" dirty="0">
+                <a:solidFill>
+                  <a:schemeClr val="tx2"/>
+                </a:solidFill>
+              </a:rPr>
+              <a:t>Universidade do Minho </a:t>
+            </a:r>
+          </a:p>
+          <a:p>
+            <a:pPr>
+              <a:lnSpc>
+                <a:spcPct val="150000"/>
+              </a:lnSpc>
+            </a:pPr>
+            <a:r>
+              <a:rPr lang="pt-PT" sz="1100" dirty="0" err="1">
+                <a:solidFill>
+                  <a:schemeClr val="tx2"/>
+                </a:solidFill>
+              </a:rPr>
+              <a:t>https</a:t>
+            </a:r>
+            <a:r>
+              <a:rPr lang="pt-PT" sz="1100" dirty="0">
+                <a:solidFill>
+                  <a:schemeClr val="tx2"/>
+                </a:solidFill>
+              </a:rPr>
+              <a:t>://</a:t>
+            </a:r>
+            <a:r>
+              <a:rPr lang="pt-PT" sz="1100" dirty="0" err="1">
+                <a:solidFill>
+                  <a:schemeClr val="tx2"/>
+                </a:solidFill>
+              </a:rPr>
+              <a:t>www.uminho.pt</a:t>
+            </a:r>
+            <a:r>
+              <a:rPr lang="pt-PT" sz="1100" dirty="0">
+                <a:solidFill>
+                  <a:schemeClr val="tx2"/>
+                </a:solidFill>
+              </a:rPr>
+              <a:t>/PT</a:t>
+            </a:r>
+            <a:br>
+              <a:rPr lang="pt-PT" sz="1200" dirty="0"/>
+            </a:br>
+            <a:endParaRPr lang="pt-PT" sz="1200" dirty="0"/>
+          </a:p>
+        </p:txBody>
+      </p:sp>
+      <p:sp>
+        <p:nvSpPr>
+          <p:cNvPr id="6" name="Line 9"/>
+          <p:cNvSpPr>
+            <a:spLocks noChangeShapeType="1"/>
+          </p:cNvSpPr>
+          <p:nvPr/>
+        </p:nvSpPr>
+        <p:spPr bwMode="auto">
+          <a:xfrm>
+            <a:off x="-6350" y="6173788"/>
+            <a:ext cx="9150350" cy="0"/>
+          </a:xfrm>
+          <a:prstGeom prst="line">
+            <a:avLst/>
+          </a:prstGeom>
+          <a:noFill/>
+          <a:ln w="9525">
+            <a:solidFill>
+              <a:srgbClr val="FF9900"/>
+            </a:solidFill>
+            <a:round/>
+            <a:headEnd/>
+            <a:tailEnd/>
+          </a:ln>
+        </p:spPr>
+        <p:txBody>
+          <a:bodyPr/>
+          <a:lstStyle/>
+          <a:p>
+            <a:endParaRPr lang="pt-PT"/>
+          </a:p>
+        </p:txBody>
+      </p:sp>
+      <p:sp>
+        <p:nvSpPr>
+          <p:cNvPr id="10" name="Rectângulo 9"/>
+          <p:cNvSpPr/>
+          <p:nvPr/>
+        </p:nvSpPr>
+        <p:spPr>
+          <a:xfrm>
+            <a:off x="1295400" y="446869"/>
+            <a:ext cx="7848600" cy="369332"/>
+          </a:xfrm>
+          <a:prstGeom prst="rect">
+            <a:avLst/>
+          </a:prstGeom>
+        </p:spPr>
+        <p:txBody>
+          <a:bodyPr wrap="square">
+            <a:spAutoFit/>
+          </a:bodyPr>
+          <a:lstStyle/>
+          <a:p>
+            <a:pPr algn="ctr"/>
+            <a:r>
+              <a:rPr lang="pt-PT" b="1" cap="all" dirty="0"/>
+              <a:t>MESTRADO em Engenharia Informática</a:t>
+            </a:r>
+            <a:endParaRPr lang="pt-PT" dirty="0"/>
+          </a:p>
+        </p:txBody>
+      </p:sp>
+      <p:sp>
+        <p:nvSpPr>
+          <p:cNvPr id="12" name="Text Box 11"/>
+          <p:cNvSpPr txBox="1">
+            <a:spLocks noChangeArrowheads="1"/>
+          </p:cNvSpPr>
+          <p:nvPr/>
+        </p:nvSpPr>
+        <p:spPr bwMode="auto">
+          <a:xfrm>
+            <a:off x="914400" y="3064962"/>
+            <a:ext cx="4191000" cy="1323439"/>
+          </a:xfrm>
+          <a:prstGeom prst="rect">
+            <a:avLst/>
+          </a:prstGeom>
+          <a:noFill/>
+          <a:ln w="9525">
+            <a:noFill/>
+            <a:miter lim="800000"/>
+            <a:headEnd/>
+            <a:tailEnd/>
+          </a:ln>
+        </p:spPr>
+        <p:txBody>
+          <a:bodyPr wrap="square">
+            <a:spAutoFit/>
+          </a:bodyPr>
+          <a:lstStyle/>
+          <a:p>
+            <a:pPr algn="just"/>
+            <a:endParaRPr lang="pt-PT" sz="2000" b="1" dirty="0">
+              <a:solidFill>
+                <a:schemeClr val="tx2"/>
+              </a:solidFill>
+            </a:endParaRPr>
+          </a:p>
+          <a:p>
+            <a:pPr algn="just"/>
+            <a:r>
+              <a:rPr lang="pt-PT" sz="2000" b="1" dirty="0">
+                <a:solidFill>
+                  <a:srgbClr val="FFC000"/>
+                </a:solidFill>
+                <a:cs typeface="Arial"/>
+              </a:rPr>
+              <a:t>■ </a:t>
+            </a:r>
+            <a:r>
+              <a:rPr lang="pt-PT" sz="2000" b="1" dirty="0">
+                <a:solidFill>
+                  <a:schemeClr val="tx2"/>
+                </a:solidFill>
+                <a:cs typeface="Arial"/>
+              </a:rPr>
+              <a:t>UC</a:t>
+            </a:r>
+            <a:r>
+              <a:rPr lang="pt-PT" sz="2000" b="1" dirty="0">
+                <a:solidFill>
+                  <a:schemeClr val="tx2"/>
+                </a:solidFill>
+              </a:rPr>
+              <a:t>: Mineração de Dados</a:t>
+            </a:r>
+            <a:endParaRPr lang="pt-PT" sz="2000" b="1" i="1" dirty="0">
+              <a:solidFill>
+                <a:schemeClr val="tx2"/>
+              </a:solidFill>
+            </a:endParaRPr>
+          </a:p>
+          <a:p>
+            <a:pPr algn="just"/>
+            <a:endParaRPr lang="pt-PT" sz="2000" i="1" dirty="0"/>
+          </a:p>
+          <a:p>
+            <a:pPr algn="just"/>
+            <a:endParaRPr lang="pt-PT" sz="2000" b="1" dirty="0">
+              <a:solidFill>
+                <a:srgbClr val="C00000"/>
+              </a:solidFill>
+            </a:endParaRPr>
+          </a:p>
+        </p:txBody>
+      </p:sp>
+      <p:sp>
+        <p:nvSpPr>
+          <p:cNvPr id="14" name="Text Box 11"/>
+          <p:cNvSpPr txBox="1">
+            <a:spLocks noChangeArrowheads="1"/>
+          </p:cNvSpPr>
+          <p:nvPr/>
+        </p:nvSpPr>
+        <p:spPr bwMode="auto">
+          <a:xfrm>
+            <a:off x="4267200" y="1871314"/>
+            <a:ext cx="4537075" cy="1169551"/>
+          </a:xfrm>
+          <a:prstGeom prst="rect">
+            <a:avLst/>
+          </a:prstGeom>
+          <a:noFill/>
+          <a:ln w="9525">
+            <a:noFill/>
+            <a:miter lim="800000"/>
+            <a:headEnd/>
+            <a:tailEnd/>
+          </a:ln>
+        </p:spPr>
+        <p:txBody>
+          <a:bodyPr wrap="square">
+            <a:spAutoFit/>
+          </a:bodyPr>
+          <a:lstStyle/>
+          <a:p>
+            <a:pPr>
+              <a:spcBef>
+                <a:spcPct val="50000"/>
+              </a:spcBef>
+              <a:defRPr/>
+            </a:pPr>
+            <a:r>
+              <a:rPr lang="pt-PT" sz="2800" b="1" dirty="0" err="1">
+                <a:solidFill>
+                  <a:srgbClr val="FF3300"/>
+                </a:solidFill>
+                <a:effectLst>
+                  <a:outerShdw blurRad="38100" dist="38100" dir="2700000" algn="tl">
+                    <a:srgbClr val="C0C0C0"/>
+                  </a:outerShdw>
+                </a:effectLst>
+              </a:rPr>
+              <a:t>Topic</a:t>
+            </a:r>
+            <a:r>
+              <a:rPr lang="pt-PT" sz="2800" b="1" dirty="0">
+                <a:solidFill>
+                  <a:srgbClr val="FF3300"/>
+                </a:solidFill>
+                <a:effectLst>
+                  <a:outerShdw blurRad="38100" dist="38100" dir="2700000" algn="tl">
+                    <a:srgbClr val="C0C0C0"/>
+                  </a:outerShdw>
+                </a:effectLst>
+              </a:rPr>
+              <a:t> </a:t>
+            </a:r>
+            <a:r>
+              <a:rPr lang="pt-PT" sz="2800" b="1" dirty="0" err="1">
+                <a:solidFill>
+                  <a:srgbClr val="FF3300"/>
+                </a:solidFill>
+                <a:effectLst>
+                  <a:outerShdw blurRad="38100" dist="38100" dir="2700000" algn="tl">
+                    <a:srgbClr val="C0C0C0"/>
+                  </a:outerShdw>
+                </a:effectLst>
+              </a:rPr>
+              <a:t>Modeling</a:t>
+            </a:r>
+            <a:r>
+              <a:rPr lang="pt-PT" sz="2800" b="1" dirty="0">
+                <a:solidFill>
+                  <a:srgbClr val="FF3300"/>
+                </a:solidFill>
+                <a:effectLst>
+                  <a:outerShdw blurRad="38100" dist="38100" dir="2700000" algn="tl">
+                    <a:srgbClr val="C0C0C0"/>
+                  </a:outerShdw>
+                </a:effectLst>
+              </a:rPr>
+              <a:t> </a:t>
+            </a:r>
+            <a:r>
+              <a:rPr lang="pt-PT" sz="2800" b="1" dirty="0" err="1">
+                <a:solidFill>
+                  <a:srgbClr val="FF3300"/>
+                </a:solidFill>
+                <a:effectLst>
+                  <a:outerShdw blurRad="38100" dist="38100" dir="2700000" algn="tl">
+                    <a:srgbClr val="C0C0C0"/>
+                  </a:outerShdw>
+                </a:effectLst>
+              </a:rPr>
+              <a:t>on</a:t>
+            </a:r>
+            <a:endParaRPr lang="pt-PT" sz="2800" b="1" dirty="0">
+              <a:solidFill>
+                <a:srgbClr val="FF3300"/>
+              </a:solidFill>
+              <a:effectLst>
+                <a:outerShdw blurRad="38100" dist="38100" dir="2700000" algn="tl">
+                  <a:srgbClr val="C0C0C0"/>
+                </a:outerShdw>
+              </a:effectLst>
+            </a:endParaRPr>
+          </a:p>
+          <a:p>
+            <a:pPr>
+              <a:spcBef>
+                <a:spcPct val="50000"/>
+              </a:spcBef>
+              <a:defRPr/>
+            </a:pPr>
+            <a:r>
+              <a:rPr lang="pt-PT" sz="2800" b="1" dirty="0" err="1">
+                <a:solidFill>
+                  <a:srgbClr val="FF3300"/>
+                </a:solidFill>
+                <a:effectLst>
+                  <a:outerShdw blurRad="38100" dist="38100" dir="2700000" algn="tl">
+                    <a:srgbClr val="C0C0C0"/>
+                  </a:outerShdw>
+                </a:effectLst>
+              </a:rPr>
+              <a:t>Product</a:t>
+            </a:r>
+            <a:r>
+              <a:rPr lang="pt-PT" sz="2800" b="1" dirty="0">
+                <a:solidFill>
+                  <a:srgbClr val="FF3300"/>
+                </a:solidFill>
+                <a:effectLst>
+                  <a:outerShdw blurRad="38100" dist="38100" dir="2700000" algn="tl">
+                    <a:srgbClr val="C0C0C0"/>
+                  </a:outerShdw>
+                </a:effectLst>
+              </a:rPr>
+              <a:t> </a:t>
+            </a:r>
+            <a:r>
+              <a:rPr lang="pt-PT" sz="2800" b="1" dirty="0" err="1">
+                <a:solidFill>
+                  <a:srgbClr val="FF3300"/>
+                </a:solidFill>
+                <a:effectLst>
+                  <a:outerShdw blurRad="38100" dist="38100" dir="2700000" algn="tl">
+                    <a:srgbClr val="C0C0C0"/>
+                  </a:outerShdw>
+                </a:effectLst>
+              </a:rPr>
+              <a:t>Reviews</a:t>
+            </a:r>
+            <a:endParaRPr lang="pt-PT" sz="2800" b="1" dirty="0">
+              <a:solidFill>
+                <a:srgbClr val="FF3300"/>
+              </a:solidFill>
+              <a:effectLst>
+                <a:outerShdw blurRad="38100" dist="38100" dir="2700000" algn="tl">
+                  <a:srgbClr val="C0C0C0"/>
+                </a:outerShdw>
+              </a:effectLst>
+            </a:endParaRPr>
+          </a:p>
+        </p:txBody>
+      </p:sp>
+      <p:sp>
+        <p:nvSpPr>
+          <p:cNvPr id="11" name="Text Box 11"/>
+          <p:cNvSpPr txBox="1">
+            <a:spLocks noChangeArrowheads="1"/>
+          </p:cNvSpPr>
+          <p:nvPr/>
+        </p:nvSpPr>
+        <p:spPr bwMode="auto">
+          <a:xfrm>
+            <a:off x="914400" y="4038600"/>
+            <a:ext cx="4191000" cy="2092881"/>
+          </a:xfrm>
+          <a:prstGeom prst="rect">
+            <a:avLst/>
+          </a:prstGeom>
+          <a:noFill/>
+          <a:ln w="9525">
+            <a:noFill/>
+            <a:miter lim="800000"/>
+            <a:headEnd/>
+            <a:tailEnd/>
+          </a:ln>
+        </p:spPr>
+        <p:txBody>
+          <a:bodyPr wrap="square">
+            <a:spAutoFit/>
+          </a:bodyPr>
+          <a:lstStyle/>
+          <a:p>
+            <a:pPr>
+              <a:lnSpc>
+                <a:spcPct val="150000"/>
+              </a:lnSpc>
+            </a:pPr>
+            <a:r>
+              <a:rPr lang="pt-PT" sz="2000" b="1" dirty="0"/>
+              <a:t>Bárbara Freixo - PG</a:t>
+            </a:r>
+            <a:r>
+              <a:rPr lang="pt-PT" sz="2000" b="1" i="0" dirty="0">
+                <a:solidFill>
+                  <a:srgbClr val="000000"/>
+                </a:solidFill>
+                <a:effectLst/>
+                <a:latin typeface="docs-Calibri"/>
+              </a:rPr>
+              <a:t>49169</a:t>
+            </a:r>
+            <a:endParaRPr lang="pt-PT" sz="2000" b="1" dirty="0"/>
+          </a:p>
+          <a:p>
+            <a:pPr>
+              <a:lnSpc>
+                <a:spcPct val="150000"/>
+              </a:lnSpc>
+            </a:pPr>
+            <a:r>
+              <a:rPr lang="pt-PT" sz="2000" b="1" dirty="0"/>
+              <a:t>Cátia Cardoso – PG51239</a:t>
+            </a:r>
+          </a:p>
+          <a:p>
+            <a:pPr>
+              <a:lnSpc>
+                <a:spcPct val="150000"/>
+              </a:lnSpc>
+            </a:pPr>
+            <a:r>
+              <a:rPr lang="pt-PT" sz="2000" b="1" dirty="0"/>
+              <a:t>Cláudia Ribeiro – PG49998</a:t>
+            </a:r>
+          </a:p>
+          <a:p>
+            <a:pPr algn="just"/>
+            <a:endParaRPr lang="pt-PT" sz="2000" i="1" dirty="0"/>
+          </a:p>
+          <a:p>
+            <a:pPr algn="just"/>
+            <a:endParaRPr lang="pt-PT" sz="2000" b="1" dirty="0">
+              <a:solidFill>
+                <a:srgbClr val="C00000"/>
+              </a:solidFill>
+            </a:endParaRPr>
+          </a:p>
+        </p:txBody>
+      </p:sp>
+      <p:sp>
+        <p:nvSpPr>
+          <p:cNvPr id="15" name="Rectângulo 14"/>
+          <p:cNvSpPr/>
+          <p:nvPr/>
+        </p:nvSpPr>
+        <p:spPr>
+          <a:xfrm>
+            <a:off x="7221537" y="5807075"/>
+            <a:ext cx="1951881" cy="307777"/>
+          </a:xfrm>
+          <a:prstGeom prst="rect">
+            <a:avLst/>
+          </a:prstGeom>
+        </p:spPr>
+        <p:txBody>
+          <a:bodyPr wrap="none">
+            <a:spAutoFit/>
+          </a:bodyPr>
+          <a:lstStyle/>
+          <a:p>
+            <a:r>
+              <a:rPr lang="pt-PT" sz="1400" b="1" dirty="0">
+                <a:solidFill>
+                  <a:schemeClr val="tx2"/>
+                </a:solidFill>
+              </a:rPr>
+              <a:t>Ano Escolar: 2022/2023</a:t>
+            </a:r>
+            <a:endParaRPr lang="pt-PT" sz="1400" dirty="0"/>
+          </a:p>
+        </p:txBody>
+      </p:sp>
+      <p:pic>
+        <p:nvPicPr>
+          <p:cNvPr id="1028" name="Picture 4" descr="Idea">
+            <a:extLst>
+              <a:ext uri="{FF2B5EF4-FFF2-40B4-BE49-F238E27FC236}">
+                <a16:creationId xmlns:a16="http://schemas.microsoft.com/office/drawing/2014/main" id="{3FEF866A-F99B-34BF-C767-B836EC71D695}"/>
+              </a:ext>
+            </a:extLst>
+          </p:cNvPr>
+          <p:cNvPicPr>
+            <a:picLocks noChangeAspect="1" noChangeArrowheads="1"/>
+          </p:cNvPicPr>
+          <p:nvPr/>
+        </p:nvPicPr>
+        <p:blipFill>
+          <a:blip r:embed="rId3">
+            <a:extLst>
+              <a:ext uri="{28A0092B-C50C-407E-A947-70E740481C1C}">
+                <a14:useLocalDpi xmlns:a14="http://schemas.microsoft.com/office/drawing/2010/main" val="0"/>
+              </a:ext>
+            </a:extLst>
+          </a:blip>
+          <a:srcRect/>
+          <a:stretch>
+            <a:fillRect/>
+          </a:stretch>
+        </p:blipFill>
+        <p:spPr bwMode="auto">
+          <a:xfrm>
+            <a:off x="76200" y="381000"/>
+            <a:ext cx="2308815" cy="1800000"/>
+          </a:xfrm>
+          <a:prstGeom prst="rect">
+            <a:avLst/>
+          </a:prstGeom>
+          <a:noFill/>
+          <a:extLst>
+            <a:ext uri="{909E8E84-426E-40DD-AFC4-6F175D3DCCD1}">
+              <a14:hiddenFill xmlns:a14="http://schemas.microsoft.com/office/drawing/2010/main">
+                <a:solidFill>
+                  <a:srgbClr val="FFFFFF"/>
+                </a:solidFill>
+              </a14:hiddenFill>
+            </a:ext>
+          </a:extLst>
+        </p:spPr>
+      </p:pic>
+    </p:spTree>
+    <p:extLst>
+      <p:ext uri="{BB962C8B-B14F-4D97-AF65-F5344CB8AC3E}">
+        <p14:creationId xmlns:p14="http://schemas.microsoft.com/office/powerpoint/2010/main" val="1974838821"/>
+      </p:ext>
+    </p:extLst>
   </p:cSld>
   <p:clrMapOvr>
     <a:masterClrMapping/>
@@ -5561,7 +7100,15 @@
             </a:r>
             <a:r>
               <a:rPr lang="pt-PT" sz="1000" b="1" dirty="0"/>
-              <a:t> Amazon </a:t>
+              <a:t> </a:t>
+            </a:r>
+            <a:r>
+              <a:rPr lang="pt-PT" sz="1000" b="1" dirty="0" err="1"/>
+              <a:t>Product</a:t>
+            </a:r>
+            <a:r>
+              <a:rPr lang="pt-PT" sz="1000" b="1" dirty="0"/>
+              <a:t> </a:t>
             </a:r>
             <a:r>
               <a:rPr lang="pt-PT" sz="1000" b="1" dirty="0" err="1"/>
@@ -5585,7 +7132,7 @@
         </p:nvSpPr>
         <p:spPr>
           <a:xfrm>
-            <a:off x="419100" y="2194816"/>
+            <a:off x="520325" y="1359411"/>
             <a:ext cx="8305800" cy="1237262"/>
           </a:xfrm>
           <a:prstGeom prst="rect">
@@ -5617,7 +7164,7 @@
             </a:r>
             <a:r>
               <a:rPr lang="pt-PT" sz="2000" dirty="0"/>
-              <a:t> da Amazon</a:t>
+              <a:t> de produtos.</a:t>
             </a:r>
           </a:p>
         </p:txBody>
@@ -5751,6 +7298,36 @@
               </a14:hiddenFill>
             </a:ext>
           </a:extLst>
+        </p:spPr>
+      </p:pic>
+      <p:pic>
+        <p:nvPicPr>
+          <p:cNvPr id="3" name="Imagem 2">
+            <a:extLst>
+              <a:ext uri="{FF2B5EF4-FFF2-40B4-BE49-F238E27FC236}">
+                <a16:creationId xmlns:a16="http://schemas.microsoft.com/office/drawing/2014/main" id="{F37F215C-693A-23CF-0C58-D6EE2A12A88B}"/>
+              </a:ext>
+            </a:extLst>
+          </p:cNvPr>
+          <p:cNvPicPr>
+            <a:picLocks noChangeAspect="1"/>
+          </p:cNvPicPr>
+          <p:nvPr/>
+        </p:nvPicPr>
+        <p:blipFill>
+          <a:blip r:embed="rId4"/>
+          <a:stretch>
+            <a:fillRect/>
+          </a:stretch>
+        </p:blipFill>
+        <p:spPr>
+          <a:xfrm>
+            <a:off x="2748761" y="2994552"/>
+            <a:ext cx="5641975" cy="2903593"/>
+          </a:xfrm>
+          <a:prstGeom prst="rect">
+            <a:avLst/>
+          </a:prstGeom>
         </p:spPr>
       </p:pic>
     </p:spTree>
@@ -5879,19 +7456,7 @@
                 <a:latin typeface="Arial"/>
                 <a:cs typeface="Arial"/>
               </a:rPr>
-              <a:t> Web </a:t>
-            </a:r>
-            <a:r>
-              <a:rPr lang="pt-PT" sz="2000" b="1" dirty="0" err="1">
-                <a:effectLst>
-                  <a:outerShdw blurRad="38100" dist="38100" dir="2700000" algn="tl">
-                    <a:srgbClr val="C0C0C0"/>
-                  </a:outerShdw>
-                </a:effectLst>
-                <a:latin typeface="Arial"/>
-                <a:cs typeface="Arial"/>
-              </a:rPr>
-              <a:t>Scraping</a:t>
+              <a:t> Tecnologias Utilizadas</a:t>
             </a:r>
             <a:endParaRPr lang="pt-PT" sz="2000" b="1" dirty="0">
               <a:effectLst>
@@ -6192,13 +7757,179 @@
             </a:r>
             <a:r>
               <a:rPr lang="pt-PT" sz="1000" b="1" dirty="0"/>
-              <a:t> Amazon </a:t>
+              <a:t> </a:t>
+            </a:r>
+            <a:r>
+              <a:rPr lang="pt-PT" sz="1000" b="1" dirty="0" err="1"/>
+              <a:t>Product</a:t>
+            </a:r>
+            <a:r>
+              <a:rPr lang="pt-PT" sz="1000" b="1" dirty="0"/>
+              <a:t> </a:t>
             </a:r>
             <a:r>
               <a:rPr lang="pt-PT" sz="1000" b="1" dirty="0" err="1"/>
               <a:t>Reviews</a:t>
             </a:r>
             <a:endParaRPr lang="pt-PT" sz="1000" b="1" dirty="0"/>
+          </a:p>
+        </p:txBody>
+      </p:sp>
+      <p:sp>
+        <p:nvSpPr>
+          <p:cNvPr id="12" name="CaixaDeTexto 11">
+            <a:extLst>
+              <a:ext uri="{FF2B5EF4-FFF2-40B4-BE49-F238E27FC236}">
+                <a16:creationId xmlns:a16="http://schemas.microsoft.com/office/drawing/2014/main" id="{E11EED7C-F203-447C-8DD1-A9C2FABC7866}"/>
+              </a:ext>
+            </a:extLst>
+          </p:cNvPr>
+          <p:cNvSpPr txBox="1"/>
+          <p:nvPr/>
+        </p:nvSpPr>
+        <p:spPr>
+          <a:xfrm>
+            <a:off x="419100" y="1491511"/>
+            <a:ext cx="8305800" cy="2459071"/>
+          </a:xfrm>
+          <a:prstGeom prst="rect">
+            <a:avLst/>
+          </a:prstGeom>
+          <a:noFill/>
+          <a:ln>
+            <a:noFill/>
+          </a:ln>
+        </p:spPr>
+        <p:txBody>
+          <a:bodyPr wrap="square" rtlCol="0">
+            <a:spAutoFit/>
+          </a:bodyPr>
+          <a:lstStyle/>
+          <a:p>
+            <a:pPr>
+              <a:lnSpc>
+                <a:spcPct val="200000"/>
+              </a:lnSpc>
+            </a:pPr>
+            <a:r>
+              <a:rPr lang="pt-PT" sz="2000" i="1" dirty="0">
+                <a:solidFill>
+                  <a:srgbClr val="FFC000"/>
+                </a:solidFill>
+                <a:latin typeface="Arial"/>
+                <a:cs typeface="Arial"/>
+              </a:rPr>
+              <a:t>■ </a:t>
+            </a:r>
+            <a:r>
+              <a:rPr lang="pt-PT" sz="2000" i="1" dirty="0" err="1">
+                <a:latin typeface="Arial"/>
+                <a:cs typeface="Arial"/>
+              </a:rPr>
+              <a:t>Flask</a:t>
+            </a:r>
+            <a:endParaRPr lang="pt-PT" sz="2000" i="1" dirty="0">
+              <a:latin typeface="Arial"/>
+              <a:cs typeface="Arial"/>
+            </a:endParaRPr>
+          </a:p>
+          <a:p>
+            <a:pPr>
+              <a:lnSpc>
+                <a:spcPct val="200000"/>
+              </a:lnSpc>
+            </a:pPr>
+            <a:r>
+              <a:rPr lang="pt-PT" sz="2000" i="1" dirty="0">
+                <a:solidFill>
+                  <a:srgbClr val="FFC000"/>
+                </a:solidFill>
+                <a:latin typeface="Arial"/>
+                <a:cs typeface="Arial"/>
+              </a:rPr>
+              <a:t>■ </a:t>
+            </a:r>
+            <a:r>
+              <a:rPr lang="pt-PT" sz="2000" i="1" dirty="0" err="1">
+                <a:latin typeface="Arial"/>
+                <a:cs typeface="Arial"/>
+              </a:rPr>
+              <a:t>OpenAi</a:t>
+            </a:r>
+            <a:r>
+              <a:rPr lang="pt-PT" sz="2000" i="1" dirty="0">
+                <a:latin typeface="Arial"/>
+                <a:cs typeface="Arial"/>
+              </a:rPr>
+              <a:t> </a:t>
+            </a:r>
+            <a:r>
+              <a:rPr lang="pt-PT" sz="2000" i="1" dirty="0" err="1">
+                <a:latin typeface="Arial"/>
+                <a:cs typeface="Arial"/>
+              </a:rPr>
+              <a:t>Api</a:t>
+            </a:r>
+            <a:endParaRPr lang="pt-PT" sz="2000" i="1" dirty="0">
+              <a:latin typeface="Arial"/>
+              <a:cs typeface="Arial"/>
+            </a:endParaRPr>
+          </a:p>
+          <a:p>
+            <a:pPr>
+              <a:lnSpc>
+                <a:spcPct val="200000"/>
+              </a:lnSpc>
+            </a:pPr>
+            <a:r>
+              <a:rPr lang="pt-PT" sz="2000" i="1" dirty="0">
+                <a:solidFill>
+                  <a:srgbClr val="FFC000"/>
+                </a:solidFill>
+                <a:latin typeface="Arial"/>
+                <a:cs typeface="Arial"/>
+              </a:rPr>
+              <a:t>■ </a:t>
+            </a:r>
+            <a:r>
+              <a:rPr lang="pt-PT" sz="2000" i="1" dirty="0" err="1">
+                <a:latin typeface="Arial"/>
+                <a:cs typeface="Arial"/>
+              </a:rPr>
+              <a:t>Python</a:t>
+            </a:r>
+            <a:r>
+              <a:rPr lang="pt-PT" sz="2000" i="1" dirty="0">
+                <a:latin typeface="Arial"/>
+                <a:cs typeface="Arial"/>
+              </a:rPr>
+              <a:t> (</a:t>
+            </a:r>
+            <a:r>
+              <a:rPr lang="pt-PT" sz="2000" i="1" dirty="0" err="1">
+                <a:latin typeface="Arial"/>
+                <a:cs typeface="Arial"/>
+              </a:rPr>
+              <a:t>Webscraping</a:t>
+            </a:r>
+            <a:r>
+              <a:rPr lang="pt-PT" sz="2000" i="1" dirty="0">
+                <a:latin typeface="Arial"/>
+                <a:cs typeface="Arial"/>
+              </a:rPr>
+              <a:t>)</a:t>
+            </a:r>
+          </a:p>
+          <a:p>
+            <a:pPr>
+              <a:lnSpc>
+                <a:spcPct val="200000"/>
+              </a:lnSpc>
+            </a:pPr>
+            <a:endParaRPr lang="pt-PT" sz="2000" i="1" dirty="0">
+              <a:latin typeface="Arial"/>
+              <a:cs typeface="Arial"/>
+            </a:endParaRPr>
           </a:p>
         </p:txBody>
       </p:sp>
@@ -6333,68 +8064,12 @@
           </a:extLst>
         </p:spPr>
       </p:pic>
-      <p:sp>
-        <p:nvSpPr>
-          <p:cNvPr id="2" name="CaixaDeTexto 1">
+      <p:pic>
+        <p:nvPicPr>
+          <p:cNvPr id="2" name="Imagem 1">
             <a:extLst>
               <a:ext uri="{FF2B5EF4-FFF2-40B4-BE49-F238E27FC236}">
-                <a16:creationId xmlns:a16="http://schemas.microsoft.com/office/drawing/2014/main" id="{F04BD5C0-C7E5-8EB0-2A9D-2D07B865BD34}"/>
-              </a:ext>
-            </a:extLst>
-          </p:cNvPr>
-          <p:cNvSpPr txBox="1"/>
-          <p:nvPr/>
-        </p:nvSpPr>
-        <p:spPr>
-          <a:xfrm>
-            <a:off x="419100" y="1087714"/>
-            <a:ext cx="8305800" cy="1227965"/>
-          </a:xfrm>
-          <a:prstGeom prst="rect">
-            <a:avLst/>
-          </a:prstGeom>
-          <a:noFill/>
-          <a:ln>
-            <a:noFill/>
-          </a:ln>
-        </p:spPr>
-        <p:txBody>
-          <a:bodyPr wrap="square" rtlCol="0">
-            <a:spAutoFit/>
-          </a:bodyPr>
-          <a:lstStyle/>
-          <a:p>
-            <a:pPr>
-              <a:lnSpc>
-                <a:spcPct val="200000"/>
-              </a:lnSpc>
-            </a:pPr>
-            <a:r>
-              <a:rPr lang="pt-PT" sz="2000" i="1" dirty="0">
-                <a:solidFill>
-                  <a:srgbClr val="FFC000"/>
-                </a:solidFill>
-                <a:latin typeface="Arial"/>
-                <a:cs typeface="Arial"/>
-              </a:rPr>
-              <a:t>■ </a:t>
-            </a:r>
-            <a:r>
-              <a:rPr lang="pt-PT" sz="2000" i="1" dirty="0">
-                <a:latin typeface="Arial"/>
-                <a:cs typeface="Arial"/>
-              </a:rPr>
-              <a:t>Identificar a estrutura da página de avaliações da Amazon e entender como os dados são organizados.</a:t>
-            </a:r>
-          </a:p>
-        </p:txBody>
-      </p:sp>
-      <p:pic>
-        <p:nvPicPr>
-          <p:cNvPr id="8" name="Imagem 7">
-            <a:extLst>
-              <a:ext uri="{FF2B5EF4-FFF2-40B4-BE49-F238E27FC236}">
-                <a16:creationId xmlns:a16="http://schemas.microsoft.com/office/drawing/2014/main" id="{A74ED2F5-1A31-1DF9-1671-ABCD2CF8B832}"/>
+                <a16:creationId xmlns:a16="http://schemas.microsoft.com/office/drawing/2014/main" id="{6C93C7F0-25C7-ADCF-1681-D9E7404E2ADC}"/>
               </a:ext>
             </a:extLst>
           </p:cNvPr>
@@ -6411,8 +8086,68 @@
         </p:blipFill>
         <p:spPr>
           <a:xfrm>
-            <a:off x="747525" y="2814820"/>
-            <a:ext cx="7648950" cy="2594335"/>
+            <a:off x="6048358" y="1416101"/>
+            <a:ext cx="2479710" cy="1859783"/>
+          </a:xfrm>
+          <a:prstGeom prst="rect">
+            <a:avLst/>
+          </a:prstGeom>
+        </p:spPr>
+      </p:pic>
+      <p:pic>
+        <p:nvPicPr>
+          <p:cNvPr id="3" name="Imagem 2">
+            <a:extLst>
+              <a:ext uri="{FF2B5EF4-FFF2-40B4-BE49-F238E27FC236}">
+                <a16:creationId xmlns:a16="http://schemas.microsoft.com/office/drawing/2014/main" id="{D4A82985-1A35-1F67-9CA4-F7783D51F0A6}"/>
+              </a:ext>
+            </a:extLst>
+          </p:cNvPr>
+          <p:cNvPicPr>
+            <a:picLocks noChangeAspect="1"/>
+          </p:cNvPicPr>
+          <p:nvPr/>
+        </p:nvPicPr>
+        <p:blipFill>
+          <a:blip r:embed="rId5"/>
+          <a:stretch>
+            <a:fillRect/>
+          </a:stretch>
+        </p:blipFill>
+        <p:spPr>
+          <a:xfrm>
+            <a:off x="609600" y="4201172"/>
+            <a:ext cx="3747071" cy="922131"/>
+          </a:xfrm>
+          <a:prstGeom prst="rect">
+            <a:avLst/>
+          </a:prstGeom>
+        </p:spPr>
+      </p:pic>
+      <p:pic>
+        <p:nvPicPr>
+          <p:cNvPr id="8" name="Imagem 7">
+            <a:extLst>
+              <a:ext uri="{FF2B5EF4-FFF2-40B4-BE49-F238E27FC236}">
+                <a16:creationId xmlns:a16="http://schemas.microsoft.com/office/drawing/2014/main" id="{2A9A110B-C6A4-4874-6550-F4DEC2D51B45}"/>
+              </a:ext>
+            </a:extLst>
+          </p:cNvPr>
+          <p:cNvPicPr>
+            <a:picLocks noChangeAspect="1"/>
+          </p:cNvPicPr>
+          <p:nvPr/>
+        </p:nvPicPr>
+        <p:blipFill>
+          <a:blip r:embed="rId6"/>
+          <a:stretch>
+            <a:fillRect/>
+          </a:stretch>
+        </p:blipFill>
+        <p:spPr>
+          <a:xfrm>
+            <a:off x="6330465" y="3792415"/>
+            <a:ext cx="1915496" cy="2099065"/>
           </a:xfrm>
           <a:prstGeom prst="rect">
             <a:avLst/>
@@ -6422,7 +8157,7 @@
     </p:spTree>
     <p:extLst>
       <p:ext uri="{BB962C8B-B14F-4D97-AF65-F5344CB8AC3E}">
-        <p14:creationId xmlns:p14="http://schemas.microsoft.com/office/powerpoint/2010/main" val="872844390"/>
+        <p14:creationId xmlns:p14="http://schemas.microsoft.com/office/powerpoint/2010/main" val="40492602"/>
       </p:ext>
     </p:extLst>
   </p:cSld>
@@ -6858,7 +8593,15 @@
             </a:r>
             <a:r>
               <a:rPr lang="pt-PT" sz="1000" b="1" dirty="0"/>
-              <a:t> Amazon </a:t>
+              <a:t> </a:t>
+            </a:r>
+            <a:r>
+              <a:rPr lang="pt-PT" sz="1000" b="1" dirty="0" err="1"/>
+              <a:t>Product</a:t>
+            </a:r>
+            <a:r>
+              <a:rPr lang="pt-PT" sz="1000" b="1" dirty="0"/>
+              <a:t> </a:t>
             </a:r>
             <a:r>
               <a:rPr lang="pt-PT" sz="1000" b="1" dirty="0" err="1"/>
@@ -7014,7 +8757,7 @@
         <p:spPr>
           <a:xfrm>
             <a:off x="419100" y="1087714"/>
-            <a:ext cx="8305800" cy="2468368"/>
+            <a:ext cx="8305800" cy="1227965"/>
           </a:xfrm>
           <a:prstGeom prst="rect">
             <a:avLst/>
@@ -7050,43 +8793,17 @@
                 <a:latin typeface="Arial"/>
                 <a:cs typeface="Arial"/>
               </a:rPr>
-              <a:t>Usar técnicas de web </a:t>
-            </a:r>
-            <a:r>
-              <a:rPr lang="pt-PT" sz="2000" i="1" dirty="0" err="1">
-                <a:latin typeface="Arial"/>
-                <a:cs typeface="Arial"/>
-              </a:rPr>
-              <a:t>scraping</a:t>
-            </a:r>
-            <a:r>
-              <a:rPr lang="pt-PT" sz="2000" i="1" dirty="0">
-                <a:latin typeface="Arial"/>
-                <a:cs typeface="Arial"/>
-              </a:rPr>
-              <a:t> para extrair as informações desejadas, como texto de revisão, classificação e quaisquer outros dados relevantes.</a:t>
-            </a:r>
-            <a:endParaRPr lang="en-US" sz="2000" i="1" dirty="0">
-              <a:latin typeface="Arial"/>
-              <a:cs typeface="Arial"/>
-            </a:endParaRPr>
-          </a:p>
-          <a:p>
-            <a:pPr>
-              <a:lnSpc>
-                <a:spcPct val="200000"/>
-              </a:lnSpc>
-            </a:pPr>
-            <a:endParaRPr lang="pt-PT" sz="2000" dirty="0"/>
+              <a:t>Identificar a estrutura da página de avaliações da Amazon e entender como os dados são organizados.</a:t>
+            </a:r>
           </a:p>
         </p:txBody>
       </p:sp>
       <p:pic>
         <p:nvPicPr>
-          <p:cNvPr id="11" name="Imagem 10">
+          <p:cNvPr id="8" name="Imagem 7">
             <a:extLst>
               <a:ext uri="{FF2B5EF4-FFF2-40B4-BE49-F238E27FC236}">
-                <a16:creationId xmlns:a16="http://schemas.microsoft.com/office/drawing/2014/main" id="{794033DD-30C3-882A-6126-2AB2A70CF6F5}"/>
+                <a16:creationId xmlns:a16="http://schemas.microsoft.com/office/drawing/2014/main" id="{A74ED2F5-1A31-1DF9-1671-ABCD2CF8B832}"/>
               </a:ext>
             </a:extLst>
           </p:cNvPr>
@@ -7103,8 +8820,8 @@
         </p:blipFill>
         <p:spPr>
           <a:xfrm>
-            <a:off x="863225" y="3210030"/>
-            <a:ext cx="7620000" cy="2488416"/>
+            <a:off x="747525" y="2814820"/>
+            <a:ext cx="7648950" cy="2594335"/>
           </a:xfrm>
           <a:prstGeom prst="rect">
             <a:avLst/>
@@ -7114,7 +8831,7 @@
     </p:spTree>
     <p:extLst>
       <p:ext uri="{BB962C8B-B14F-4D97-AF65-F5344CB8AC3E}">
-        <p14:creationId xmlns:p14="http://schemas.microsoft.com/office/powerpoint/2010/main" val="1440705483"/>
+        <p14:creationId xmlns:p14="http://schemas.microsoft.com/office/powerpoint/2010/main" val="872844390"/>
       </p:ext>
     </p:extLst>
   </p:cSld>
@@ -7550,7 +9267,15 @@
             </a:r>
             <a:r>
               <a:rPr lang="pt-PT" sz="1000" b="1" dirty="0"/>
-              <a:t> Amazon </a:t>
+              <a:t> </a:t>
+            </a:r>
+            <a:r>
+              <a:rPr lang="pt-PT" sz="1000" b="1" dirty="0" err="1"/>
+              <a:t>Product</a:t>
+            </a:r>
+            <a:r>
+              <a:rPr lang="pt-PT" sz="1000" b="1" dirty="0"/>
+              <a:t> </a:t>
             </a:r>
             <a:r>
               <a:rPr lang="pt-PT" sz="1000" b="1" dirty="0" err="1"/>
@@ -7691,12 +9416,94 @@
           </a:extLst>
         </p:spPr>
       </p:pic>
+      <p:sp>
+        <p:nvSpPr>
+          <p:cNvPr id="2" name="CaixaDeTexto 1">
+            <a:extLst>
+              <a:ext uri="{FF2B5EF4-FFF2-40B4-BE49-F238E27FC236}">
+                <a16:creationId xmlns:a16="http://schemas.microsoft.com/office/drawing/2014/main" id="{F04BD5C0-C7E5-8EB0-2A9D-2D07B865BD34}"/>
+              </a:ext>
+            </a:extLst>
+          </p:cNvPr>
+          <p:cNvSpPr txBox="1"/>
+          <p:nvPr/>
+        </p:nvSpPr>
+        <p:spPr>
+          <a:xfrm>
+            <a:off x="419100" y="1087714"/>
+            <a:ext cx="8305800" cy="2468368"/>
+          </a:xfrm>
+          <a:prstGeom prst="rect">
+            <a:avLst/>
+          </a:prstGeom>
+          <a:noFill/>
+          <a:ln>
+            <a:noFill/>
+          </a:ln>
+        </p:spPr>
+        <p:txBody>
+          <a:bodyPr wrap="square" rtlCol="0">
+            <a:spAutoFit/>
+          </a:bodyPr>
+          <a:lstStyle/>
+          <a:p>
+            <a:pPr>
+              <a:lnSpc>
+                <a:spcPct val="200000"/>
+              </a:lnSpc>
+            </a:pPr>
+            <a:r>
+              <a:rPr lang="pt-PT" sz="2000" i="1" dirty="0">
+                <a:solidFill>
+                  <a:srgbClr val="FFC000"/>
+                </a:solidFill>
+                <a:latin typeface="Arial"/>
+                <a:cs typeface="Arial"/>
+              </a:rPr>
+              <a:t>■ </a:t>
+            </a:r>
+            <a:r>
+              <a:rPr lang="pt-PT" sz="2000" i="1" dirty="0">
+                <a:latin typeface="Arial"/>
+                <a:cs typeface="Arial"/>
+              </a:rPr>
+              <a:t>Usar técnicas de web </a:t>
+            </a:r>
+            <a:r>
+              <a:rPr lang="pt-PT" sz="2000" i="1" dirty="0" err="1">
+                <a:latin typeface="Arial"/>
+                <a:cs typeface="Arial"/>
+              </a:rPr>
+              <a:t>scraping</a:t>
+            </a:r>
+            <a:r>
+              <a:rPr lang="pt-PT" sz="2000" i="1" dirty="0">
+                <a:latin typeface="Arial"/>
+                <a:cs typeface="Arial"/>
+              </a:rPr>
+              <a:t> para extrair as informações desejadas, como texto de revisão, classificação e quaisquer outros dados relevantes.</a:t>
+            </a:r>
+            <a:endParaRPr lang="en-US" sz="2000" i="1" dirty="0">
+              <a:latin typeface="Arial"/>
+              <a:cs typeface="Arial"/>
+            </a:endParaRPr>
+          </a:p>
+          <a:p>
+            <a:pPr>
+              <a:lnSpc>
+                <a:spcPct val="200000"/>
+              </a:lnSpc>
+            </a:pPr>
+            <a:endParaRPr lang="pt-PT" sz="2000" dirty="0"/>
+          </a:p>
+        </p:txBody>
+      </p:sp>
       <p:pic>
         <p:nvPicPr>
-          <p:cNvPr id="8" name="Imagem 7">
+          <p:cNvPr id="11" name="Imagem 10">
             <a:extLst>
               <a:ext uri="{FF2B5EF4-FFF2-40B4-BE49-F238E27FC236}">
-                <a16:creationId xmlns:a16="http://schemas.microsoft.com/office/drawing/2014/main" id="{361FAAB3-8267-26AD-59A0-EC314E97E795}"/>
+                <a16:creationId xmlns:a16="http://schemas.microsoft.com/office/drawing/2014/main" id="{794033DD-30C3-882A-6126-2AB2A70CF6F5}"/>
               </a:ext>
             </a:extLst>
           </p:cNvPr>
@@ -7713,100 +9520,18 @@
         </p:blipFill>
         <p:spPr>
           <a:xfrm>
-            <a:off x="484328" y="1998888"/>
-            <a:ext cx="8377794" cy="3997825"/>
+            <a:off x="863225" y="3210030"/>
+            <a:ext cx="7620000" cy="2488416"/>
           </a:xfrm>
           <a:prstGeom prst="rect">
             <a:avLst/>
           </a:prstGeom>
         </p:spPr>
       </p:pic>
-      <p:sp>
-        <p:nvSpPr>
-          <p:cNvPr id="9" name="CaixaDeTexto 8">
-            <a:extLst>
-              <a:ext uri="{FF2B5EF4-FFF2-40B4-BE49-F238E27FC236}">
-                <a16:creationId xmlns:a16="http://schemas.microsoft.com/office/drawing/2014/main" id="{7BAB51E6-BB2A-D72F-9C4B-B94E16F57BAD}"/>
-              </a:ext>
-            </a:extLst>
-          </p:cNvPr>
-          <p:cNvSpPr txBox="1"/>
-          <p:nvPr/>
-        </p:nvSpPr>
-        <p:spPr>
-          <a:xfrm>
-            <a:off x="383103" y="973357"/>
-            <a:ext cx="8305800" cy="1237262"/>
-          </a:xfrm>
-          <a:prstGeom prst="rect">
-            <a:avLst/>
-          </a:prstGeom>
-          <a:noFill/>
-          <a:ln>
-            <a:noFill/>
-          </a:ln>
-        </p:spPr>
-        <p:txBody>
-          <a:bodyPr wrap="square" rtlCol="0">
-            <a:spAutoFit/>
-          </a:bodyPr>
-          <a:lstStyle/>
-          <a:p>
-            <a:pPr>
-              <a:lnSpc>
-                <a:spcPct val="200000"/>
-              </a:lnSpc>
-            </a:pPr>
-            <a:r>
-              <a:rPr lang="pt-PT" sz="2000" i="1" dirty="0">
-                <a:solidFill>
-                  <a:srgbClr val="FFC000"/>
-                </a:solidFill>
-                <a:latin typeface="Arial"/>
-                <a:cs typeface="Arial"/>
-              </a:rPr>
-              <a:t>■ </a:t>
-            </a:r>
-            <a:r>
-              <a:rPr lang="pt-PT" sz="2000" i="1" dirty="0">
-                <a:latin typeface="Arial"/>
-                <a:cs typeface="Arial"/>
-              </a:rPr>
-              <a:t>Exemplo de ficheiro </a:t>
-            </a:r>
-            <a:r>
-              <a:rPr lang="pt-PT" sz="2000" i="1" dirty="0" err="1">
-                <a:latin typeface="Arial"/>
-                <a:cs typeface="Arial"/>
-              </a:rPr>
-              <a:t>Json</a:t>
-            </a:r>
-            <a:r>
-              <a:rPr lang="pt-PT" sz="2000" i="1" dirty="0">
-                <a:latin typeface="Arial"/>
-                <a:cs typeface="Arial"/>
-              </a:rPr>
-              <a:t> gerado</a:t>
-            </a:r>
-            <a:endParaRPr lang="en-US" sz="2000" i="1" dirty="0">
-              <a:latin typeface="Arial"/>
-              <a:cs typeface="Arial"/>
-            </a:endParaRPr>
-          </a:p>
-          <a:p>
-            <a:pPr>
-              <a:lnSpc>
-                <a:spcPct val="200000"/>
-              </a:lnSpc>
-            </a:pPr>
-            <a:endParaRPr lang="pt-PT" sz="2000" dirty="0"/>
-          </a:p>
-        </p:txBody>
-      </p:sp>
     </p:spTree>
     <p:extLst>
       <p:ext uri="{BB962C8B-B14F-4D97-AF65-F5344CB8AC3E}">
-        <p14:creationId xmlns:p14="http://schemas.microsoft.com/office/powerpoint/2010/main" val="3131676143"/>
+        <p14:creationId xmlns:p14="http://schemas.microsoft.com/office/powerpoint/2010/main" val="1440705483"/>
       </p:ext>
     </p:extLst>
   </p:cSld>
@@ -7878,7 +9603,7 @@
         <p:spPr bwMode="auto">
           <a:xfrm>
             <a:off x="306388" y="557213"/>
-            <a:ext cx="6981825" cy="400110"/>
+            <a:ext cx="6981825" cy="400050"/>
           </a:xfrm>
           <a:prstGeom prst="rect">
             <a:avLst/>
@@ -7929,7 +9654,7 @@
                 <a:latin typeface="Arial"/>
                 <a:cs typeface="Arial"/>
               </a:rPr>
-              <a:t> </a:t>
+              <a:t> Web </a:t>
             </a:r>
             <a:r>
               <a:rPr lang="pt-PT" sz="2000" b="1" dirty="0" err="1">
@@ -7941,67 +9666,7 @@
                 <a:latin typeface="Arial"/>
                 <a:cs typeface="Arial"/>
               </a:rPr>
-              <a:t>Topic</a:t>
-            </a:r>
-            <a:r>
-              <a:rPr lang="pt-PT" sz="2000" b="1" dirty="0">
-                <a:effectLst>
-                  <a:outerShdw blurRad="38100" dist="38100" dir="2700000" algn="tl">
-                    <a:srgbClr val="C0C0C0"/>
-                  </a:outerShdw>
-                </a:effectLst>
-                <a:latin typeface="Arial"/>
-                <a:cs typeface="Arial"/>
-              </a:rPr>
-              <a:t> </a:t>
-            </a:r>
-            <a:r>
-              <a:rPr lang="pt-PT" sz="2000" b="1" dirty="0" err="1">
-                <a:effectLst>
-                  <a:outerShdw blurRad="38100" dist="38100" dir="2700000" algn="tl">
-                    <a:srgbClr val="C0C0C0"/>
-                  </a:outerShdw>
-                </a:effectLst>
-                <a:latin typeface="Arial"/>
-                <a:cs typeface="Arial"/>
-              </a:rPr>
-              <a:t>Modeling</a:t>
-            </a:r>
-            <a:r>
-              <a:rPr lang="pt-PT" sz="2000" b="1" dirty="0">
-                <a:effectLst>
-                  <a:outerShdw blurRad="38100" dist="38100" dir="2700000" algn="tl">
-                    <a:srgbClr val="C0C0C0"/>
-                  </a:outerShdw>
-                </a:effectLst>
-                <a:latin typeface="Arial"/>
-                <a:cs typeface="Arial"/>
-              </a:rPr>
-              <a:t> com </a:t>
-            </a:r>
-            <a:r>
-              <a:rPr lang="pt-PT" sz="2000" b="1" dirty="0" err="1">
-                <a:effectLst>
-                  <a:outerShdw blurRad="38100" dist="38100" dir="2700000" algn="tl">
-                    <a:srgbClr val="C0C0C0"/>
-                  </a:outerShdw>
-                </a:effectLst>
-                <a:latin typeface="Arial"/>
-                <a:cs typeface="Arial"/>
-              </a:rPr>
-              <a:t>OpenAI</a:t>
-            </a:r>
-            <a:r>
-              <a:rPr lang="pt-PT" sz="2000" b="1" dirty="0">
-                <a:effectLst>
-                  <a:outerShdw blurRad="38100" dist="38100" dir="2700000" algn="tl">
-                    <a:srgbClr val="C0C0C0"/>
-                  </a:outerShdw>
-                </a:effectLst>
-                <a:latin typeface="Arial"/>
-                <a:cs typeface="Arial"/>
-              </a:rPr>
-              <a:t> API</a:t>
+              <a:t>Scraping</a:t>
             </a:r>
             <a:endParaRPr lang="pt-PT" sz="2000" b="1" dirty="0">
               <a:effectLst>
@@ -8302,76 +9967,21 @@
             </a:r>
             <a:r>
               <a:rPr lang="pt-PT" sz="1000" b="1" dirty="0"/>
-              <a:t> Amazon </a:t>
+              <a:t> </a:t>
+            </a:r>
+            <a:r>
+              <a:rPr lang="pt-PT" sz="1000" b="1" dirty="0" err="1"/>
+              <a:t>Product</a:t>
+            </a:r>
+            <a:r>
+              <a:rPr lang="pt-PT" sz="1000" b="1" dirty="0"/>
+              <a:t> </a:t>
             </a:r>
             <a:r>
               <a:rPr lang="pt-PT" sz="1000" b="1" dirty="0" err="1"/>
               <a:t>Reviews</a:t>
             </a:r>
             <a:endParaRPr lang="pt-PT" sz="1000" b="1" dirty="0"/>
-          </a:p>
-        </p:txBody>
-      </p:sp>
-      <p:sp>
-        <p:nvSpPr>
-          <p:cNvPr id="12" name="CaixaDeTexto 11">
-            <a:extLst>
-              <a:ext uri="{FF2B5EF4-FFF2-40B4-BE49-F238E27FC236}">
-                <a16:creationId xmlns:a16="http://schemas.microsoft.com/office/drawing/2014/main" id="{E11EED7C-F203-447C-8DD1-A9C2FABC7866}"/>
-              </a:ext>
-            </a:extLst>
-          </p:cNvPr>
-          <p:cNvSpPr txBox="1"/>
-          <p:nvPr/>
-        </p:nvSpPr>
-        <p:spPr>
-          <a:xfrm>
-            <a:off x="520325" y="1383384"/>
-            <a:ext cx="8305800" cy="1237262"/>
-          </a:xfrm>
-          <a:prstGeom prst="rect">
-            <a:avLst/>
-          </a:prstGeom>
-          <a:noFill/>
-          <a:ln>
-            <a:noFill/>
-          </a:ln>
-        </p:spPr>
-        <p:txBody>
-          <a:bodyPr wrap="square" rtlCol="0">
-            <a:spAutoFit/>
-          </a:bodyPr>
-          <a:lstStyle/>
-          <a:p>
-            <a:pPr>
-              <a:lnSpc>
-                <a:spcPct val="200000"/>
-              </a:lnSpc>
-            </a:pPr>
-            <a:r>
-              <a:rPr lang="pt-PT" sz="1800" i="1" kern="1200" dirty="0">
-                <a:solidFill>
-                  <a:srgbClr val="FFC000"/>
-                </a:solidFill>
-                <a:effectLst/>
-                <a:latin typeface="+mn-ea"/>
-                <a:ea typeface="+mn-ea"/>
-                <a:cs typeface="Arial" panose="020B0604020202020204" pitchFamily="34" charset="0"/>
-              </a:rPr>
-              <a:t>■ </a:t>
-            </a:r>
-            <a:r>
-              <a:rPr lang="pt-PT" sz="2000" dirty="0"/>
-              <a:t>Criar </a:t>
-            </a:r>
-            <a:r>
-              <a:rPr lang="pt-PT" sz="2000" dirty="0" err="1"/>
-              <a:t>prompts</a:t>
-            </a:r>
-            <a:r>
-              <a:rPr lang="pt-PT" sz="2000" dirty="0"/>
-              <a:t> que guiam a API para gerar modelos de tópicos com base nos nossos dados.</a:t>
-            </a:r>
           </a:p>
         </p:txBody>
       </p:sp>
@@ -8511,7 +10121,7 @@
           <p:cNvPr id="8" name="Imagem 7">
             <a:extLst>
               <a:ext uri="{FF2B5EF4-FFF2-40B4-BE49-F238E27FC236}">
-                <a16:creationId xmlns:a16="http://schemas.microsoft.com/office/drawing/2014/main" id="{DB86E395-694B-5006-ACC7-9531D9CA01CD}"/>
+                <a16:creationId xmlns:a16="http://schemas.microsoft.com/office/drawing/2014/main" id="{361FAAB3-8267-26AD-59A0-EC314E97E795}"/>
               </a:ext>
             </a:extLst>
           </p:cNvPr>
@@ -8528,18 +10138,100 @@
         </p:blipFill>
         <p:spPr>
           <a:xfrm>
-            <a:off x="1147622" y="2729823"/>
-            <a:ext cx="6848756" cy="3344340"/>
+            <a:off x="484328" y="1998888"/>
+            <a:ext cx="8377794" cy="3997825"/>
           </a:xfrm>
           <a:prstGeom prst="rect">
             <a:avLst/>
           </a:prstGeom>
         </p:spPr>
       </p:pic>
+      <p:sp>
+        <p:nvSpPr>
+          <p:cNvPr id="9" name="CaixaDeTexto 8">
+            <a:extLst>
+              <a:ext uri="{FF2B5EF4-FFF2-40B4-BE49-F238E27FC236}">
+                <a16:creationId xmlns:a16="http://schemas.microsoft.com/office/drawing/2014/main" id="{7BAB51E6-BB2A-D72F-9C4B-B94E16F57BAD}"/>
+              </a:ext>
+            </a:extLst>
+          </p:cNvPr>
+          <p:cNvSpPr txBox="1"/>
+          <p:nvPr/>
+        </p:nvSpPr>
+        <p:spPr>
+          <a:xfrm>
+            <a:off x="383103" y="973357"/>
+            <a:ext cx="8305800" cy="1237262"/>
+          </a:xfrm>
+          <a:prstGeom prst="rect">
+            <a:avLst/>
+          </a:prstGeom>
+          <a:noFill/>
+          <a:ln>
+            <a:noFill/>
+          </a:ln>
+        </p:spPr>
+        <p:txBody>
+          <a:bodyPr wrap="square" rtlCol="0">
+            <a:spAutoFit/>
+          </a:bodyPr>
+          <a:lstStyle/>
+          <a:p>
+            <a:pPr>
+              <a:lnSpc>
+                <a:spcPct val="200000"/>
+              </a:lnSpc>
+            </a:pPr>
+            <a:r>
+              <a:rPr lang="pt-PT" sz="2000" i="1" dirty="0">
+                <a:solidFill>
+                  <a:srgbClr val="FFC000"/>
+                </a:solidFill>
+                <a:latin typeface="Arial"/>
+                <a:cs typeface="Arial"/>
+              </a:rPr>
+              <a:t>■ </a:t>
+            </a:r>
+            <a:r>
+              <a:rPr lang="pt-PT" sz="2000" i="1" dirty="0">
+                <a:latin typeface="Arial"/>
+                <a:cs typeface="Arial"/>
+              </a:rPr>
+              <a:t>Exemplo de ficheiro </a:t>
+            </a:r>
+            <a:r>
+              <a:rPr lang="pt-PT" sz="2000" i="1" dirty="0" err="1">
+                <a:latin typeface="Arial"/>
+                <a:cs typeface="Arial"/>
+              </a:rPr>
+              <a:t>Json</a:t>
+            </a:r>
+            <a:r>
+              <a:rPr lang="pt-PT" sz="2000" i="1" dirty="0">
+                <a:latin typeface="Arial"/>
+                <a:cs typeface="Arial"/>
+              </a:rPr>
+              <a:t> gerado</a:t>
+            </a:r>
+            <a:endParaRPr lang="en-US" sz="2000" i="1" dirty="0">
+              <a:latin typeface="Arial"/>
+              <a:cs typeface="Arial"/>
+            </a:endParaRPr>
+          </a:p>
+          <a:p>
+            <a:pPr>
+              <a:lnSpc>
+                <a:spcPct val="200000"/>
+              </a:lnSpc>
+            </a:pPr>
+            <a:endParaRPr lang="pt-PT" sz="2000" dirty="0"/>
+          </a:p>
+        </p:txBody>
+      </p:sp>
     </p:spTree>
     <p:extLst>
       <p:ext uri="{BB962C8B-B14F-4D97-AF65-F5344CB8AC3E}">
-        <p14:creationId xmlns:p14="http://schemas.microsoft.com/office/powerpoint/2010/main" val="2440728973"/>
+        <p14:creationId xmlns:p14="http://schemas.microsoft.com/office/powerpoint/2010/main" val="3131676143"/>
       </p:ext>
     </p:extLst>
   </p:cSld>
@@ -9035,7 +10727,15 @@
             </a:r>
             <a:r>
               <a:rPr lang="pt-PT" sz="1000" b="1" dirty="0"/>
-              <a:t> Amazon </a:t>
+              <a:t> </a:t>
+            </a:r>
+            <a:r>
+              <a:rPr lang="pt-PT" sz="1000" b="1" dirty="0" err="1"/>
+              <a:t>Product</a:t>
+            </a:r>
+            <a:r>
+              <a:rPr lang="pt-PT" sz="1000" b="1" dirty="0"/>
+              <a:t> </a:t>
             </a:r>
             <a:r>
               <a:rPr lang="pt-PT" sz="1000" b="1" dirty="0" err="1"/>
@@ -9060,7 +10760,7 @@
         <p:spPr>
           <a:xfrm>
             <a:off x="520325" y="1383384"/>
-            <a:ext cx="8305800" cy="621709"/>
+            <a:ext cx="8305800" cy="1237262"/>
           </a:xfrm>
           <a:prstGeom prst="rect">
             <a:avLst/>
@@ -9095,7 +10795,15 @@
             </a:r>
             <a:r>
               <a:rPr lang="pt-PT" sz="2000" dirty="0"/>
-              <a:t>Exemplo</a:t>
+              <a:t>Criar </a:t>
+            </a:r>
+            <a:r>
+              <a:rPr lang="pt-PT" sz="2000" dirty="0" err="1"/>
+              <a:t>prompts</a:t>
+            </a:r>
+            <a:r>
+              <a:rPr lang="pt-PT" sz="2000" dirty="0"/>
+              <a:t> que guiam a API para gerar modelos de tópicos com base nos nossos dados.</a:t>
             </a:r>
           </a:p>
         </p:txBody>
@@ -9233,10 +10941,10 @@
       </p:pic>
       <p:pic>
         <p:nvPicPr>
-          <p:cNvPr id="3" name="Imagem 2">
+          <p:cNvPr id="8" name="Imagem 7">
             <a:extLst>
               <a:ext uri="{FF2B5EF4-FFF2-40B4-BE49-F238E27FC236}">
-                <a16:creationId xmlns:a16="http://schemas.microsoft.com/office/drawing/2014/main" id="{BC326EBE-B08E-E29B-4700-0A2D7579D7A5}"/>
+                <a16:creationId xmlns:a16="http://schemas.microsoft.com/office/drawing/2014/main" id="{DB86E395-694B-5006-ACC7-9531D9CA01CD}"/>
               </a:ext>
             </a:extLst>
           </p:cNvPr>
@@ -9253,8 +10961,8 @@
         </p:blipFill>
         <p:spPr>
           <a:xfrm>
-            <a:off x="419100" y="2517292"/>
-            <a:ext cx="8305799" cy="2347291"/>
+            <a:off x="1147622" y="2729823"/>
+            <a:ext cx="6848756" cy="3344340"/>
           </a:xfrm>
           <a:prstGeom prst="rect">
             <a:avLst/>
@@ -9264,7 +10972,7 @@
     </p:spTree>
     <p:extLst>
       <p:ext uri="{BB962C8B-B14F-4D97-AF65-F5344CB8AC3E}">
-        <p14:creationId xmlns:p14="http://schemas.microsoft.com/office/powerpoint/2010/main" val="779934505"/>
+        <p14:creationId xmlns:p14="http://schemas.microsoft.com/office/powerpoint/2010/main" val="2440728973"/>
       </p:ext>
     </p:extLst>
   </p:cSld>
@@ -9335,8 +11043,8 @@
         </p:nvSpPr>
         <p:spPr bwMode="auto">
           <a:xfrm>
-            <a:off x="306388" y="557213"/>
-            <a:ext cx="6981825" cy="400050"/>
+            <a:off x="306388" y="516116"/>
+            <a:ext cx="6981825" cy="400110"/>
           </a:xfrm>
           <a:prstGeom prst="rect">
             <a:avLst/>
@@ -9387,7 +11095,79 @@
                 <a:latin typeface="Arial"/>
                 <a:cs typeface="Arial"/>
               </a:rPr>
-              <a:t> Trabalho Futuro</a:t>
+              <a:t> </a:t>
+            </a:r>
+            <a:r>
+              <a:rPr lang="pt-PT" sz="2000" b="1" dirty="0" err="1">
+                <a:effectLst>
+                  <a:outerShdw blurRad="38100" dist="38100" dir="2700000" algn="tl">
+                    <a:srgbClr val="C0C0C0"/>
+                  </a:outerShdw>
+                </a:effectLst>
+                <a:latin typeface="Arial"/>
+                <a:cs typeface="Arial"/>
+              </a:rPr>
+              <a:t>Topic</a:t>
+            </a:r>
+            <a:r>
+              <a:rPr lang="pt-PT" sz="2000" b="1" dirty="0">
+                <a:effectLst>
+                  <a:outerShdw blurRad="38100" dist="38100" dir="2700000" algn="tl">
+                    <a:srgbClr val="C0C0C0"/>
+                  </a:outerShdw>
+                </a:effectLst>
+                <a:latin typeface="Arial"/>
+                <a:cs typeface="Arial"/>
+              </a:rPr>
+              <a:t> </a:t>
+            </a:r>
+            <a:r>
+              <a:rPr lang="pt-PT" sz="2000" b="1" dirty="0" err="1">
+                <a:effectLst>
+                  <a:outerShdw blurRad="38100" dist="38100" dir="2700000" algn="tl">
+                    <a:srgbClr val="C0C0C0"/>
+                  </a:outerShdw>
+                </a:effectLst>
+                <a:latin typeface="Arial"/>
+                <a:cs typeface="Arial"/>
+              </a:rPr>
+              <a:t>Modeling</a:t>
+            </a:r>
+            <a:r>
+              <a:rPr lang="pt-PT" sz="2000" b="1" dirty="0">
+                <a:effectLst>
+                  <a:outerShdw blurRad="38100" dist="38100" dir="2700000" algn="tl">
+                    <a:srgbClr val="C0C0C0"/>
+                  </a:outerShdw>
+                </a:effectLst>
+                <a:latin typeface="Arial"/>
+                <a:cs typeface="Arial"/>
+              </a:rPr>
+              <a:t> com </a:t>
+            </a:r>
+            <a:r>
+              <a:rPr lang="pt-PT" sz="2000" b="1" dirty="0" err="1">
+                <a:effectLst>
+                  <a:outerShdw blurRad="38100" dist="38100" dir="2700000" algn="tl">
+                    <a:srgbClr val="C0C0C0"/>
+                  </a:outerShdw>
+                </a:effectLst>
+                <a:latin typeface="Arial"/>
+                <a:cs typeface="Arial"/>
+              </a:rPr>
+              <a:t>OpenAI</a:t>
+            </a:r>
+            <a:r>
+              <a:rPr lang="pt-PT" sz="2000" b="1" dirty="0">
+                <a:effectLst>
+                  <a:outerShdw blurRad="38100" dist="38100" dir="2700000" algn="tl">
+                    <a:srgbClr val="C0C0C0"/>
+                  </a:outerShdw>
+                </a:effectLst>
+                <a:latin typeface="Arial"/>
+                <a:cs typeface="Arial"/>
+              </a:rPr>
+              <a:t> API</a:t>
             </a:r>
             <a:endParaRPr lang="pt-PT" sz="2000" b="1" dirty="0">
               <a:effectLst>
@@ -9688,7 +11468,15 @@
             </a:r>
             <a:r>
               <a:rPr lang="pt-PT" sz="1000" b="1" dirty="0"/>
-              <a:t> Amazon </a:t>
+              <a:t> </a:t>
+            </a:r>
+            <a:r>
+              <a:rPr lang="pt-PT" sz="1000" b="1" dirty="0" err="1"/>
+              <a:t>Product</a:t>
+            </a:r>
+            <a:r>
+              <a:rPr lang="pt-PT" sz="1000" b="1" dirty="0"/>
+              <a:t> </a:t>
             </a:r>
             <a:r>
               <a:rPr lang="pt-PT" sz="1000" b="1" dirty="0" err="1"/>
@@ -9712,8 +11500,8 @@
         </p:nvSpPr>
         <p:spPr>
           <a:xfrm>
-            <a:off x="419100" y="1491511"/>
-            <a:ext cx="8305800" cy="2459071"/>
+            <a:off x="520325" y="1383384"/>
+            <a:ext cx="8305800" cy="621709"/>
           </a:xfrm>
           <a:prstGeom prst="rect">
             <a:avLst/>
@@ -9735,109 +11523,21 @@
               </a:lnSpc>
             </a:pPr>
             <a:r>
-              <a:rPr lang="pt-PT" sz="2000" i="1" dirty="0">
+              <a:rPr lang="pt-PT" sz="1800" i="1" kern="1200" dirty="0">
                 <a:solidFill>
                   <a:srgbClr val="FFC000"/>
                 </a:solidFill>
-                <a:latin typeface="Arial"/>
-                <a:cs typeface="Arial"/>
+                <a:effectLst/>
+                <a:latin typeface="+mn-ea"/>
+                <a:ea typeface="+mn-ea"/>
+                <a:cs typeface="Arial" panose="020B0604020202020204" pitchFamily="34" charset="0"/>
               </a:rPr>
               <a:t>■ </a:t>
             </a:r>
             <a:r>
-              <a:rPr lang="pt-PT" sz="2000" i="1" dirty="0">
-                <a:latin typeface="Arial"/>
-                <a:cs typeface="Arial"/>
-              </a:rPr>
-              <a:t>Criação de um Website</a:t>
-            </a:r>
-          </a:p>
-          <a:p>
-            <a:pPr>
-              <a:lnSpc>
-                <a:spcPct val="200000"/>
-              </a:lnSpc>
-            </a:pPr>
-            <a:r>
-              <a:rPr lang="pt-PT" sz="2000" i="1" dirty="0">
-                <a:solidFill>
-                  <a:srgbClr val="FFC000"/>
-                </a:solidFill>
-                <a:latin typeface="Arial"/>
-                <a:cs typeface="Arial"/>
-              </a:rPr>
-              <a:t>■ </a:t>
-            </a:r>
-            <a:r>
-              <a:rPr lang="pt-PT" sz="2000" i="1" dirty="0">
-                <a:latin typeface="Arial"/>
-                <a:cs typeface="Arial"/>
-              </a:rPr>
-              <a:t>Adicionar mais fontes de dados (Ex: </a:t>
-            </a:r>
-            <a:r>
-              <a:rPr lang="pt-PT" sz="2000" i="1" dirty="0" err="1">
-                <a:latin typeface="Arial"/>
-                <a:cs typeface="Arial"/>
-              </a:rPr>
-              <a:t>Walmart</a:t>
-            </a:r>
-            <a:r>
-              <a:rPr lang="pt-PT" sz="2000" i="1" dirty="0">
-                <a:latin typeface="Arial"/>
-                <a:cs typeface="Arial"/>
-              </a:rPr>
-              <a:t> </a:t>
-            </a:r>
-            <a:r>
-              <a:rPr lang="pt-PT" sz="2000" i="1" dirty="0" err="1">
-                <a:latin typeface="Arial"/>
-                <a:cs typeface="Arial"/>
-              </a:rPr>
-              <a:t>reviews</a:t>
-            </a:r>
-            <a:r>
-              <a:rPr lang="pt-PT" sz="2000" i="1" dirty="0">
-                <a:latin typeface="Arial"/>
-                <a:cs typeface="Arial"/>
-              </a:rPr>
-              <a:t>)</a:t>
-            </a:r>
-          </a:p>
-          <a:p>
-            <a:pPr>
-              <a:lnSpc>
-                <a:spcPct val="200000"/>
-              </a:lnSpc>
-            </a:pPr>
-            <a:r>
-              <a:rPr lang="pt-PT" sz="2000" i="1" dirty="0">
-                <a:solidFill>
-                  <a:srgbClr val="FFC000"/>
-                </a:solidFill>
-                <a:latin typeface="Arial"/>
-                <a:cs typeface="Arial"/>
-              </a:rPr>
-              <a:t>■ </a:t>
-            </a:r>
-            <a:r>
-              <a:rPr lang="pt-PT" sz="2000" i="1" dirty="0">
-                <a:latin typeface="Arial"/>
-                <a:cs typeface="Arial"/>
-              </a:rPr>
-              <a:t>Aplicar outros algoritmos de NLP</a:t>
-            </a:r>
-          </a:p>
-          <a:p>
-            <a:pPr>
-              <a:lnSpc>
-                <a:spcPct val="200000"/>
-              </a:lnSpc>
-            </a:pPr>
-            <a:endParaRPr lang="pt-PT" sz="2000" i="1" dirty="0">
-              <a:latin typeface="Arial"/>
-              <a:cs typeface="Arial"/>
-            </a:endParaRPr>
+              <a:rPr lang="pt-PT" sz="2000" dirty="0"/>
+              <a:t>Exemplo</a:t>
+            </a:r>
           </a:p>
         </p:txBody>
       </p:sp>
@@ -9972,10 +11672,40 @@
           </a:extLst>
         </p:spPr>
       </p:pic>
+      <p:pic>
+        <p:nvPicPr>
+          <p:cNvPr id="3" name="Imagem 2">
+            <a:extLst>
+              <a:ext uri="{FF2B5EF4-FFF2-40B4-BE49-F238E27FC236}">
+                <a16:creationId xmlns:a16="http://schemas.microsoft.com/office/drawing/2014/main" id="{BC326EBE-B08E-E29B-4700-0A2D7579D7A5}"/>
+              </a:ext>
+            </a:extLst>
+          </p:cNvPr>
+          <p:cNvPicPr>
+            <a:picLocks noChangeAspect="1"/>
+          </p:cNvPicPr>
+          <p:nvPr/>
+        </p:nvPicPr>
+        <p:blipFill>
+          <a:blip r:embed="rId4"/>
+          <a:stretch>
+            <a:fillRect/>
+          </a:stretch>
+        </p:blipFill>
+        <p:spPr>
+          <a:xfrm>
+            <a:off x="419100" y="2517292"/>
+            <a:ext cx="8305799" cy="2347291"/>
+          </a:xfrm>
+          <a:prstGeom prst="rect">
+            <a:avLst/>
+          </a:prstGeom>
+        </p:spPr>
+      </p:pic>
     </p:spTree>
     <p:extLst>
       <p:ext uri="{BB962C8B-B14F-4D97-AF65-F5344CB8AC3E}">
-        <p14:creationId xmlns:p14="http://schemas.microsoft.com/office/powerpoint/2010/main" val="40492602"/>
+        <p14:creationId xmlns:p14="http://schemas.microsoft.com/office/powerpoint/2010/main" val="779934505"/>
       </p:ext>
     </p:extLst>
   </p:cSld>
@@ -10004,205 +11734,15 @@
       </p:grpSpPr>
       <p:sp>
         <p:nvSpPr>
-          <p:cNvPr id="4" name="Text Box 12"/>
-          <p:cNvSpPr txBox="1">
-            <a:spLocks noChangeArrowheads="1"/>
+          <p:cNvPr id="10245" name="Line 12"/>
+          <p:cNvSpPr>
+            <a:spLocks noChangeShapeType="1"/>
           </p:cNvSpPr>
           <p:nvPr/>
         </p:nvSpPr>
         <p:spPr bwMode="auto">
           <a:xfrm>
-            <a:off x="3656806" y="1579482"/>
-            <a:ext cx="7129462" cy="1468437"/>
-          </a:xfrm>
-          <a:prstGeom prst="rect">
-            <a:avLst/>
-          </a:prstGeom>
-          <a:noFill/>
-          <a:ln w="9525" cap="rnd">
-            <a:solidFill>
-              <a:schemeClr val="tx1"/>
-            </a:solidFill>
-            <a:prstDash val="sysDot"/>
-            <a:miter lim="800000"/>
-            <a:headEnd/>
-            <a:tailEnd/>
-          </a:ln>
-        </p:spPr>
-        <p:txBody>
-          <a:bodyPr/>
-          <a:lstStyle/>
-          <a:p>
-            <a:pPr>
-              <a:spcBef>
-                <a:spcPct val="50000"/>
-              </a:spcBef>
-            </a:pPr>
-            <a:endParaRPr lang="pt-PT"/>
-          </a:p>
-        </p:txBody>
-      </p:sp>
-      <p:sp>
-        <p:nvSpPr>
-          <p:cNvPr id="5" name="Rectangle 9"/>
-          <p:cNvSpPr>
-            <a:spLocks noChangeArrowheads="1"/>
-          </p:cNvSpPr>
-          <p:nvPr/>
-        </p:nvSpPr>
-        <p:spPr bwMode="auto">
-          <a:xfrm>
-            <a:off x="5867400" y="3962400"/>
-            <a:ext cx="5029200" cy="1844675"/>
-          </a:xfrm>
-          <a:prstGeom prst="rect">
-            <a:avLst/>
-          </a:prstGeom>
-          <a:noFill/>
-          <a:ln w="9525">
-            <a:noFill/>
-            <a:miter lim="800000"/>
-            <a:headEnd/>
-            <a:tailEnd/>
-          </a:ln>
-        </p:spPr>
-        <p:txBody>
-          <a:bodyPr anchor="ctr"/>
-          <a:lstStyle/>
-          <a:p>
-            <a:pPr>
-              <a:lnSpc>
-                <a:spcPct val="150000"/>
-              </a:lnSpc>
-            </a:pPr>
-            <a:endParaRPr lang="pt-PT" sz="1200" b="1" dirty="0"/>
-          </a:p>
-          <a:p>
-            <a:pPr>
-              <a:lnSpc>
-                <a:spcPct val="150000"/>
-              </a:lnSpc>
-            </a:pPr>
-            <a:r>
-              <a:rPr lang="pt-PT" sz="1200" b="1" dirty="0">
-                <a:solidFill>
-                  <a:srgbClr val="FFC000"/>
-                </a:solidFill>
-                <a:latin typeface="Arial"/>
-                <a:cs typeface="Arial"/>
-              </a:rPr>
-              <a:t>■</a:t>
-            </a:r>
-            <a:r>
-              <a:rPr lang="pt-PT" sz="1200" b="1" dirty="0">
-                <a:latin typeface="Arial"/>
-                <a:cs typeface="Arial"/>
-              </a:rPr>
-              <a:t> Docentes</a:t>
-            </a:r>
-            <a:r>
-              <a:rPr lang="pt-PT" sz="1200" b="1" dirty="0"/>
-              <a:t>: Prof. Rui Mendes</a:t>
-            </a:r>
-          </a:p>
-          <a:p>
-            <a:pPr>
-              <a:lnSpc>
-                <a:spcPct val="150000"/>
-              </a:lnSpc>
-            </a:pPr>
-            <a:r>
-              <a:rPr lang="pt-PT" sz="1200" b="1" dirty="0"/>
-              <a:t>	Prof. Miguel Rocha</a:t>
-            </a:r>
-          </a:p>
-          <a:p>
-            <a:pPr>
-              <a:lnSpc>
-                <a:spcPct val="150000"/>
-              </a:lnSpc>
-            </a:pPr>
-            <a:r>
-              <a:rPr lang="pt-PT" sz="1200" b="1" dirty="0"/>
-              <a:t>	</a:t>
-            </a:r>
-            <a:endParaRPr lang="pt-PT" sz="1100" dirty="0">
-              <a:solidFill>
-                <a:schemeClr val="tx2"/>
-              </a:solidFill>
-            </a:endParaRPr>
-          </a:p>
-          <a:p>
-            <a:pPr>
-              <a:lnSpc>
-                <a:spcPct val="150000"/>
-              </a:lnSpc>
-            </a:pPr>
-            <a:r>
-              <a:rPr lang="pt-PT" sz="1100" dirty="0">
-                <a:solidFill>
-                  <a:schemeClr val="tx2"/>
-                </a:solidFill>
-              </a:rPr>
-              <a:t>Universidade do Minho </a:t>
-            </a:r>
-          </a:p>
-          <a:p>
-            <a:pPr>
-              <a:lnSpc>
-                <a:spcPct val="150000"/>
-              </a:lnSpc>
-            </a:pPr>
-            <a:r>
-              <a:rPr lang="pt-PT" sz="1100" dirty="0" err="1">
-                <a:solidFill>
-                  <a:schemeClr val="tx2"/>
-                </a:solidFill>
-              </a:rPr>
-              <a:t>https</a:t>
-            </a:r>
-            <a:r>
-              <a:rPr lang="pt-PT" sz="1100" dirty="0">
-                <a:solidFill>
-                  <a:schemeClr val="tx2"/>
-                </a:solidFill>
-              </a:rPr>
-              <a:t>://</a:t>
-            </a:r>
-            <a:r>
-              <a:rPr lang="pt-PT" sz="1100" dirty="0" err="1">
-                <a:solidFill>
-                  <a:schemeClr val="tx2"/>
-                </a:solidFill>
-              </a:rPr>
-              <a:t>www.uminho.pt</a:t>
-            </a:r>
-            <a:r>
-              <a:rPr lang="pt-PT" sz="1100" dirty="0">
-                <a:solidFill>
-                  <a:schemeClr val="tx2"/>
-                </a:solidFill>
-              </a:rPr>
-              <a:t>/PT</a:t>
-            </a:r>
-            <a:br>
-              <a:rPr lang="pt-PT" sz="1200" dirty="0"/>
-            </a:br>
-            <a:endParaRPr lang="pt-PT" sz="1200" dirty="0"/>
-          </a:p>
-        </p:txBody>
-      </p:sp>
-      <p:sp>
-        <p:nvSpPr>
-          <p:cNvPr id="6" name="Line 9"/>
-          <p:cNvSpPr>
-            <a:spLocks noChangeShapeType="1"/>
-          </p:cNvSpPr>
-          <p:nvPr/>
-        </p:nvSpPr>
-        <p:spPr bwMode="auto">
-          <a:xfrm>
-            <a:off x="-6350" y="6173788"/>
+            <a:off x="0" y="981075"/>
             <a:ext cx="9150350" cy="0"/>
           </a:xfrm>
           <a:prstGeom prst="line">
@@ -10228,37 +11768,7 @@
       </p:sp>
       <p:sp>
         <p:nvSpPr>
-          <p:cNvPr id="10" name="Rectângulo 9"/>
-          <p:cNvSpPr/>
-          <p:nvPr/>
-        </p:nvSpPr>
-        <p:spPr>
-          <a:xfrm>
-            <a:off x="1295400" y="446869"/>
-            <a:ext cx="7848600" cy="369332"/>
-          </a:xfrm>
-          <a:prstGeom prst="rect">
-            <a:avLst/>
-          </a:prstGeom>
-        </p:spPr>
-        <p:txBody>
-          <a:bodyPr wrap="square">
-            <a:spAutoFit/>
-          </a:bodyPr>
-          <a:lstStyle/>
-          <a:p>
-            <a:pPr algn="ctr"/>
-            <a:r>
-              <a:rPr lang="pt-PT" b="1" cap="all" dirty="0"/>
-              <a:t>MESTRADO em Engenharia Informática</a:t>
-            </a:r>
-            <a:endParaRPr lang="pt-PT" dirty="0"/>
-          </a:p>
-        </p:txBody>
-      </p:sp>
-      <p:sp>
-        <p:nvSpPr>
-          <p:cNvPr id="12" name="Text Box 11"/>
+          <p:cNvPr id="9229" name="Text Box 13"/>
           <p:cNvSpPr txBox="1">
             <a:spLocks noChangeArrowheads="1"/>
           </p:cNvSpPr>
@@ -10266,8 +11776,8 @@
         </p:nvSpPr>
         <p:spPr bwMode="auto">
           <a:xfrm>
-            <a:off x="914400" y="3064962"/>
-            <a:ext cx="4191000" cy="1323439"/>
+            <a:off x="306388" y="557213"/>
+            <a:ext cx="6981825" cy="400050"/>
           </a:xfrm>
           <a:prstGeom prst="rect">
             <a:avLst/>
@@ -10279,71 +11789,95 @@
             <a:headEnd/>
             <a:tailEnd/>
           </a:ln>
-        </p:spPr>
-        <p:txBody>
-          <a:bodyPr wrap="square">
+          <a:effectLst/>
+        </p:spPr>
+        <p:txBody>
+          <a:bodyPr>
             <a:spAutoFit/>
           </a:bodyPr>
           <a:lstStyle/>
           <a:p>
-            <a:pPr algn="just"/>
-            <a:endParaRPr lang="pt-PT" sz="2000" b="1" dirty="0">
-              <a:solidFill>
-                <a:schemeClr val="tx2"/>
-              </a:solidFill>
-            </a:endParaRPr>
-          </a:p>
-          <a:p>
-            <a:pPr algn="just"/>
+            <a:pPr>
+              <a:spcBef>
+                <a:spcPct val="50000"/>
+              </a:spcBef>
+              <a:defRPr/>
+            </a:pPr>
             <a:r>
               <a:rPr lang="pt-PT" sz="2000" b="1" dirty="0">
                 <a:solidFill>
-                  <a:srgbClr val="FFC000"/>
+                  <a:srgbClr val="C00000"/>
                 </a:solidFill>
+                <a:effectLst>
+                  <a:outerShdw blurRad="38100" dist="38100" dir="2700000" algn="tl">
+                    <a:srgbClr val="C0C0C0"/>
+                  </a:outerShdw>
+                </a:effectLst>
+                <a:latin typeface="Arial"/>
                 <a:cs typeface="Arial"/>
               </a:rPr>
-              <a:t>■ </a:t>
+              <a:t>■</a:t>
             </a:r>
             <a:r>
               <a:rPr lang="pt-PT" sz="2000" b="1" dirty="0">
-                <a:solidFill>
-                  <a:schemeClr val="tx2"/>
-                </a:solidFill>
+                <a:effectLst>
+                  <a:outerShdw blurRad="38100" dist="38100" dir="2700000" algn="tl">
+                    <a:srgbClr val="C0C0C0"/>
+                  </a:outerShdw>
+                </a:effectLst>
+                <a:latin typeface="Arial"/>
                 <a:cs typeface="Arial"/>
               </a:rPr>
-              <a:t>UC</a:t>
-            </a:r>
-            <a:r>
-              <a:rPr lang="pt-PT" sz="2000" b="1" dirty="0">
-                <a:solidFill>
-                  <a:schemeClr val="tx2"/>
-                </a:solidFill>
-              </a:rPr>
-              <a:t>: Mineração de Dados</a:t>
-            </a:r>
-            <a:endParaRPr lang="pt-PT" sz="2000" b="1" i="1" dirty="0">
-              <a:solidFill>
-                <a:schemeClr val="tx2"/>
-              </a:solidFill>
+              <a:t> Trabalho Futuro</a:t>
+            </a:r>
+            <a:endParaRPr lang="pt-PT" sz="2000" b="1" dirty="0">
+              <a:effectLst>
+                <a:outerShdw blurRad="38100" dist="38100" dir="2700000" algn="tl">
+                  <a:srgbClr val="C0C0C0"/>
+                </a:outerShdw>
+              </a:effectLst>
+              <a:latin typeface="Arial" charset="0"/>
             </a:endParaRPr>
           </a:p>
-          <a:p>
-            <a:pPr algn="just"/>
-            <a:endParaRPr lang="pt-PT" sz="2000" i="1" dirty="0"/>
-          </a:p>
-          <a:p>
-            <a:pPr algn="just"/>
-            <a:endParaRPr lang="pt-PT" sz="2000" b="1" dirty="0">
-              <a:solidFill>
-                <a:srgbClr val="C00000"/>
-              </a:solidFill>
-            </a:endParaRPr>
-          </a:p>
-        </p:txBody>
-      </p:sp>
-      <p:sp>
-        <p:nvSpPr>
-          <p:cNvPr id="14" name="Text Box 11"/>
+        </p:txBody>
+      </p:sp>
+      <p:sp>
+        <p:nvSpPr>
+          <p:cNvPr id="10247" name="Line 15"/>
+          <p:cNvSpPr>
+            <a:spLocks noChangeShapeType="1"/>
+          </p:cNvSpPr>
+          <p:nvPr/>
+        </p:nvSpPr>
+        <p:spPr bwMode="auto">
+          <a:xfrm>
+            <a:off x="250825" y="0"/>
+            <a:ext cx="0" cy="765175"/>
+          </a:xfrm>
+          <a:prstGeom prst="line">
+            <a:avLst/>
+          </a:prstGeom>
+          <a:noFill/>
+          <a:ln w="25400">
+            <a:solidFill>
+              <a:schemeClr val="tx1"/>
+            </a:solidFill>
+            <a:round/>
+            <a:headEnd/>
+            <a:tailEnd/>
+          </a:ln>
+        </p:spPr>
+        <p:txBody>
+          <a:bodyPr/>
+          <a:lstStyle/>
+          <a:p>
+            <a:endParaRPr lang="pt-PT"/>
+          </a:p>
+        </p:txBody>
+      </p:sp>
+      <p:sp>
+        <p:nvSpPr>
+          <p:cNvPr id="9237" name="Text Box 21"/>
           <p:cNvSpPr txBox="1">
             <a:spLocks noChangeArrowheads="1"/>
           </p:cNvSpPr>
@@ -10351,8 +11885,8 @@
         </p:nvSpPr>
         <p:spPr bwMode="auto">
           <a:xfrm>
-            <a:off x="4267200" y="1871314"/>
-            <a:ext cx="4537075" cy="1169551"/>
+            <a:off x="260350" y="44450"/>
+            <a:ext cx="6981825" cy="304800"/>
           </a:xfrm>
           <a:prstGeom prst="rect">
             <a:avLst/>
@@ -10364,9 +11898,10 @@
             <a:headEnd/>
             <a:tailEnd/>
           </a:ln>
-        </p:spPr>
-        <p:txBody>
-          <a:bodyPr wrap="square">
+          <a:effectLst/>
+        </p:spPr>
+        <p:txBody>
+          <a:bodyPr>
             <a:spAutoFit/>
           </a:bodyPr>
           <a:lstStyle/>
@@ -10377,8 +11912,482 @@
               </a:spcBef>
               <a:defRPr/>
             </a:pPr>
-            <a:r>
-              <a:rPr lang="pt-PT" sz="2800" b="1" dirty="0" err="1">
+            <a:endParaRPr lang="pt-PT" sz="1400" b="1" dirty="0">
+              <a:solidFill>
+                <a:srgbClr val="FF3300"/>
+              </a:solidFill>
+              <a:effectLst>
+                <a:outerShdw blurRad="38100" dist="38100" dir="2700000" algn="tl">
+                  <a:srgbClr val="C0C0C0"/>
+                </a:outerShdw>
+              </a:effectLst>
+              <a:latin typeface="Arial" charset="0"/>
+            </a:endParaRPr>
+          </a:p>
+        </p:txBody>
+      </p:sp>
+      <p:sp>
+        <p:nvSpPr>
+          <p:cNvPr id="4" name="Line 9">
+            <a:extLst>
+              <a:ext uri="{FF2B5EF4-FFF2-40B4-BE49-F238E27FC236}">
+                <a16:creationId xmlns:a16="http://schemas.microsoft.com/office/drawing/2014/main" id="{94CFBC5A-2BEC-4B95-9122-2517652F119E}"/>
+              </a:ext>
+            </a:extLst>
+          </p:cNvPr>
+          <p:cNvSpPr>
+            <a:spLocks noChangeShapeType="1"/>
+          </p:cNvSpPr>
+          <p:nvPr/>
+        </p:nvSpPr>
+        <p:spPr bwMode="auto">
+          <a:xfrm>
+            <a:off x="0" y="6400800"/>
+            <a:ext cx="9150350" cy="0"/>
+          </a:xfrm>
+          <a:prstGeom prst="line">
+            <a:avLst/>
+          </a:prstGeom>
+          <a:noFill/>
+          <a:ln w="9525">
+            <a:solidFill>
+              <a:srgbClr val="FF9900"/>
+            </a:solidFill>
+            <a:round/>
+            <a:headEnd/>
+            <a:tailEnd/>
+          </a:ln>
+        </p:spPr>
+        <p:txBody>
+          <a:bodyPr/>
+          <a:lstStyle/>
+          <a:p>
+            <a:endParaRPr lang="pt-PT"/>
+          </a:p>
+        </p:txBody>
+      </p:sp>
+      <p:sp>
+        <p:nvSpPr>
+          <p:cNvPr id="5" name="Text Box 10">
+            <a:extLst>
+              <a:ext uri="{FF2B5EF4-FFF2-40B4-BE49-F238E27FC236}">
+                <a16:creationId xmlns:a16="http://schemas.microsoft.com/office/drawing/2014/main" id="{056A0BF7-C320-484A-B082-E75682DDC92B}"/>
+              </a:ext>
+            </a:extLst>
+          </p:cNvPr>
+          <p:cNvSpPr txBox="1">
+            <a:spLocks noChangeArrowheads="1"/>
+          </p:cNvSpPr>
+          <p:nvPr/>
+        </p:nvSpPr>
+        <p:spPr bwMode="auto">
+          <a:xfrm>
+            <a:off x="8288338" y="6296025"/>
+            <a:ext cx="827087" cy="366713"/>
+          </a:xfrm>
+          <a:prstGeom prst="rect">
+            <a:avLst/>
+          </a:prstGeom>
+          <a:noFill/>
+          <a:ln w="9525">
+            <a:noFill/>
+            <a:miter lim="800000"/>
+            <a:headEnd/>
+            <a:tailEnd/>
+          </a:ln>
+        </p:spPr>
+        <p:txBody>
+          <a:bodyPr>
+            <a:spAutoFit/>
+          </a:bodyPr>
+          <a:lstStyle/>
+          <a:p>
+            <a:pPr>
+              <a:spcBef>
+                <a:spcPct val="50000"/>
+              </a:spcBef>
+            </a:pPr>
+            <a:endParaRPr lang="pt-PT"/>
+          </a:p>
+        </p:txBody>
+      </p:sp>
+      <p:sp>
+        <p:nvSpPr>
+          <p:cNvPr id="6" name="Rectangle 11">
+            <a:extLst>
+              <a:ext uri="{FF2B5EF4-FFF2-40B4-BE49-F238E27FC236}">
+                <a16:creationId xmlns:a16="http://schemas.microsoft.com/office/drawing/2014/main" id="{3FA1D4C1-DF59-4837-AE58-6FCE52699B3E}"/>
+              </a:ext>
+            </a:extLst>
+          </p:cNvPr>
+          <p:cNvSpPr>
+            <a:spLocks noChangeArrowheads="1"/>
+          </p:cNvSpPr>
+          <p:nvPr/>
+        </p:nvSpPr>
+        <p:spPr bwMode="auto">
+          <a:xfrm>
+            <a:off x="8207375" y="6597650"/>
+            <a:ext cx="936625" cy="260350"/>
+          </a:xfrm>
+          <a:prstGeom prst="rect">
+            <a:avLst/>
+          </a:prstGeom>
+          <a:noFill/>
+          <a:ln w="9525">
+            <a:noFill/>
+            <a:miter lim="800000"/>
+            <a:headEnd/>
+            <a:tailEnd/>
+          </a:ln>
+        </p:spPr>
+        <p:txBody>
+          <a:bodyPr anchor="ctr"/>
+          <a:lstStyle/>
+          <a:p>
+            <a:pPr algn="ctr"/>
+            <a:r>
+              <a:rPr lang="pt-PT" sz="1000" dirty="0"/>
+              <a:t>- </a:t>
+            </a:r>
+            <a:fld id="{1234D2FF-8FB9-47A1-B8C9-42A5F500BA2F}" type="slidenum">
+              <a:rPr lang="pt-PT" sz="1000"/>
+              <a:pPr algn="ctr"/>
+              <a:t>9</a:t>
+            </a:fld>
+            <a:r>
+              <a:rPr lang="pt-PT" sz="1000" dirty="0"/>
+              <a:t> -</a:t>
+            </a:r>
+          </a:p>
+        </p:txBody>
+      </p:sp>
+      <p:sp>
+        <p:nvSpPr>
+          <p:cNvPr id="7" name="Rectângulo 10">
+            <a:extLst>
+              <a:ext uri="{FF2B5EF4-FFF2-40B4-BE49-F238E27FC236}">
+                <a16:creationId xmlns:a16="http://schemas.microsoft.com/office/drawing/2014/main" id="{61680BFE-3DF9-46CB-889D-ABCA07F65F06}"/>
+              </a:ext>
+            </a:extLst>
+          </p:cNvPr>
+          <p:cNvSpPr>
+            <a:spLocks noChangeArrowheads="1"/>
+          </p:cNvSpPr>
+          <p:nvPr/>
+        </p:nvSpPr>
+        <p:spPr bwMode="auto">
+          <a:xfrm>
+            <a:off x="0" y="6400800"/>
+            <a:ext cx="5410200" cy="299313"/>
+          </a:xfrm>
+          <a:prstGeom prst="rect">
+            <a:avLst/>
+          </a:prstGeom>
+          <a:noFill/>
+          <a:ln w="9525">
+            <a:noFill/>
+            <a:miter lim="800000"/>
+            <a:headEnd/>
+            <a:tailEnd/>
+          </a:ln>
+        </p:spPr>
+        <p:txBody>
+          <a:bodyPr wrap="square">
+            <a:spAutoFit/>
+          </a:bodyPr>
+          <a:lstStyle/>
+          <a:p>
+            <a:pPr>
+              <a:lnSpc>
+                <a:spcPct val="150000"/>
+              </a:lnSpc>
+            </a:pPr>
+            <a:r>
+              <a:rPr lang="pt-PT" sz="1000" b="1" dirty="0"/>
+              <a:t>@2022/2023 – </a:t>
+            </a:r>
+            <a:r>
+              <a:rPr lang="pt-PT" sz="1000" b="1" dirty="0" err="1"/>
+              <a:t>Topic</a:t>
+            </a:r>
+            <a:r>
+              <a:rPr lang="pt-PT" sz="1000" b="1" dirty="0"/>
+              <a:t> </a:t>
+            </a:r>
+            <a:r>
+              <a:rPr lang="pt-PT" sz="1000" b="1" dirty="0" err="1"/>
+              <a:t>Modeling</a:t>
+            </a:r>
+            <a:r>
+              <a:rPr lang="pt-PT" sz="1000" b="1" dirty="0"/>
+              <a:t> </a:t>
+            </a:r>
+            <a:r>
+              <a:rPr lang="pt-PT" sz="1000" b="1" dirty="0" err="1"/>
+              <a:t>on</a:t>
+            </a:r>
+            <a:r>
+              <a:rPr lang="pt-PT" sz="1000" b="1" dirty="0"/>
+              <a:t> </a:t>
+            </a:r>
+            <a:r>
+              <a:rPr lang="pt-PT" sz="1000" b="1" dirty="0" err="1"/>
+              <a:t>Product</a:t>
+            </a:r>
+            <a:r>
+              <a:rPr lang="pt-PT" sz="1000" b="1" dirty="0"/>
+              <a:t> </a:t>
+            </a:r>
+            <a:r>
+              <a:rPr lang="pt-PT" sz="1000" b="1" dirty="0" err="1"/>
+              <a:t>Reviews</a:t>
+            </a:r>
+            <a:endParaRPr lang="pt-PT" sz="1000" b="1" dirty="0"/>
+          </a:p>
+        </p:txBody>
+      </p:sp>
+      <p:sp>
+        <p:nvSpPr>
+          <p:cNvPr id="12" name="CaixaDeTexto 11">
+            <a:extLst>
+              <a:ext uri="{FF2B5EF4-FFF2-40B4-BE49-F238E27FC236}">
+                <a16:creationId xmlns:a16="http://schemas.microsoft.com/office/drawing/2014/main" id="{E11EED7C-F203-447C-8DD1-A9C2FABC7866}"/>
+              </a:ext>
+            </a:extLst>
+          </p:cNvPr>
+          <p:cNvSpPr txBox="1"/>
+          <p:nvPr/>
+        </p:nvSpPr>
+        <p:spPr>
+          <a:xfrm>
+            <a:off x="419100" y="1491511"/>
+            <a:ext cx="8305800" cy="2459071"/>
+          </a:xfrm>
+          <a:prstGeom prst="rect">
+            <a:avLst/>
+          </a:prstGeom>
+          <a:noFill/>
+          <a:ln>
+            <a:noFill/>
+          </a:ln>
+        </p:spPr>
+        <p:txBody>
+          <a:bodyPr wrap="square" rtlCol="0">
+            <a:spAutoFit/>
+          </a:bodyPr>
+          <a:lstStyle/>
+          <a:p>
+            <a:pPr>
+              <a:lnSpc>
+                <a:spcPct val="200000"/>
+              </a:lnSpc>
+            </a:pPr>
+            <a:r>
+              <a:rPr lang="pt-PT" sz="2000" i="1" dirty="0">
+                <a:solidFill>
+                  <a:srgbClr val="FFC000"/>
+                </a:solidFill>
+                <a:latin typeface="Arial"/>
+                <a:cs typeface="Arial"/>
+              </a:rPr>
+              <a:t>■ </a:t>
+            </a:r>
+            <a:r>
+              <a:rPr lang="pt-PT" sz="2000" i="1" dirty="0">
+                <a:latin typeface="Arial"/>
+                <a:cs typeface="Arial"/>
+              </a:rPr>
+              <a:t>Melhorar o</a:t>
+            </a:r>
+            <a:r>
+              <a:rPr lang="pt-PT" sz="2000" i="1" dirty="0">
+                <a:solidFill>
+                  <a:srgbClr val="FFC000"/>
+                </a:solidFill>
+                <a:latin typeface="Arial"/>
+                <a:cs typeface="Arial"/>
+              </a:rPr>
+              <a:t> </a:t>
+            </a:r>
+            <a:r>
+              <a:rPr lang="pt-PT" sz="2000" i="1" dirty="0">
+                <a:latin typeface="Arial"/>
+                <a:cs typeface="Arial"/>
+              </a:rPr>
+              <a:t>Website</a:t>
+            </a:r>
+          </a:p>
+          <a:p>
+            <a:pPr>
+              <a:lnSpc>
+                <a:spcPct val="200000"/>
+              </a:lnSpc>
+            </a:pPr>
+            <a:r>
+              <a:rPr lang="pt-PT" sz="2000" i="1" dirty="0">
+                <a:solidFill>
+                  <a:srgbClr val="FFC000"/>
+                </a:solidFill>
+                <a:latin typeface="Arial"/>
+                <a:cs typeface="Arial"/>
+              </a:rPr>
+              <a:t>■ </a:t>
+            </a:r>
+            <a:r>
+              <a:rPr lang="pt-PT" sz="2000" i="1" dirty="0">
+                <a:latin typeface="Arial"/>
+                <a:cs typeface="Arial"/>
+              </a:rPr>
+              <a:t>Melhorar o </a:t>
+            </a:r>
+            <a:r>
+              <a:rPr lang="pt-PT" sz="2000" i="1" dirty="0" err="1">
+                <a:latin typeface="Arial"/>
+                <a:cs typeface="Arial"/>
+              </a:rPr>
+              <a:t>prompt</a:t>
+            </a:r>
+            <a:endParaRPr lang="pt-PT" sz="2000" i="1" dirty="0">
+              <a:latin typeface="Arial"/>
+              <a:cs typeface="Arial"/>
+            </a:endParaRPr>
+          </a:p>
+          <a:p>
+            <a:pPr>
+              <a:lnSpc>
+                <a:spcPct val="200000"/>
+              </a:lnSpc>
+            </a:pPr>
+            <a:r>
+              <a:rPr lang="pt-PT" sz="2000" i="1" dirty="0">
+                <a:solidFill>
+                  <a:srgbClr val="FFC000"/>
+                </a:solidFill>
+                <a:latin typeface="Arial"/>
+                <a:cs typeface="Arial"/>
+              </a:rPr>
+              <a:t>■ </a:t>
+            </a:r>
+            <a:r>
+              <a:rPr lang="pt-PT" sz="2000" i="1" dirty="0">
+                <a:latin typeface="Arial"/>
+                <a:cs typeface="Arial"/>
+              </a:rPr>
+              <a:t>Adicionar mais fontes de dados (Ex: </a:t>
+            </a:r>
+            <a:r>
+              <a:rPr lang="pt-PT" sz="2000" i="1" dirty="0" err="1">
+                <a:latin typeface="Arial"/>
+                <a:cs typeface="Arial"/>
+              </a:rPr>
+              <a:t>Walmart</a:t>
+            </a:r>
+            <a:r>
+              <a:rPr lang="pt-PT" sz="2000" i="1" dirty="0">
+                <a:latin typeface="Arial"/>
+                <a:cs typeface="Arial"/>
+              </a:rPr>
+              <a:t> </a:t>
+            </a:r>
+            <a:r>
+              <a:rPr lang="pt-PT" sz="2000" i="1" dirty="0" err="1">
+                <a:latin typeface="Arial"/>
+                <a:cs typeface="Arial"/>
+              </a:rPr>
+              <a:t>reviews</a:t>
+            </a:r>
+            <a:r>
+              <a:rPr lang="pt-PT" sz="2000" i="1" dirty="0">
+                <a:latin typeface="Arial"/>
+                <a:cs typeface="Arial"/>
+              </a:rPr>
+              <a:t>)</a:t>
+            </a:r>
+          </a:p>
+          <a:p>
+            <a:pPr>
+              <a:lnSpc>
+                <a:spcPct val="200000"/>
+              </a:lnSpc>
+            </a:pPr>
+            <a:endParaRPr lang="pt-PT" sz="2000" i="1" dirty="0">
+              <a:latin typeface="Arial"/>
+              <a:cs typeface="Arial"/>
+            </a:endParaRPr>
+          </a:p>
+        </p:txBody>
+      </p:sp>
+      <p:sp>
+        <p:nvSpPr>
+          <p:cNvPr id="15" name="Rectângulo 19">
+            <a:extLst>
+              <a:ext uri="{FF2B5EF4-FFF2-40B4-BE49-F238E27FC236}">
+                <a16:creationId xmlns:a16="http://schemas.microsoft.com/office/drawing/2014/main" id="{309057DF-86E4-413D-AC38-2D9491158B43}"/>
+              </a:ext>
+            </a:extLst>
+          </p:cNvPr>
+          <p:cNvSpPr/>
+          <p:nvPr/>
+        </p:nvSpPr>
+        <p:spPr>
+          <a:xfrm>
+            <a:off x="4673225" y="132281"/>
+            <a:ext cx="3505200" cy="261610"/>
+          </a:xfrm>
+          <a:prstGeom prst="rect">
+            <a:avLst/>
+          </a:prstGeom>
+        </p:spPr>
+        <p:txBody>
+          <a:bodyPr wrap="square">
+            <a:spAutoFit/>
+          </a:bodyPr>
+          <a:lstStyle/>
+          <a:p>
+            <a:pPr algn="r"/>
+            <a:r>
+              <a:rPr lang="pt-PT" sz="1100" b="1" cap="all" dirty="0"/>
+              <a:t>Mestrado em Engenharia Informática</a:t>
+            </a:r>
+          </a:p>
+        </p:txBody>
+      </p:sp>
+      <p:sp>
+        <p:nvSpPr>
+          <p:cNvPr id="16" name="Rectângulo 14">
+            <a:extLst>
+              <a:ext uri="{FF2B5EF4-FFF2-40B4-BE49-F238E27FC236}">
+                <a16:creationId xmlns:a16="http://schemas.microsoft.com/office/drawing/2014/main" id="{7842195F-360C-4E2E-B0F6-F5C0E64B1D4E}"/>
+              </a:ext>
+            </a:extLst>
+          </p:cNvPr>
+          <p:cNvSpPr/>
+          <p:nvPr/>
+        </p:nvSpPr>
+        <p:spPr>
+          <a:xfrm>
+            <a:off x="5867400" y="490354"/>
+            <a:ext cx="2205732" cy="369332"/>
+          </a:xfrm>
+          <a:prstGeom prst="rect">
+            <a:avLst/>
+          </a:prstGeom>
+        </p:spPr>
+        <p:txBody>
+          <a:bodyPr wrap="none">
+            <a:spAutoFit/>
+          </a:bodyPr>
+          <a:lstStyle/>
+          <a:p>
+            <a:pPr>
+              <a:spcBef>
+                <a:spcPct val="50000"/>
+              </a:spcBef>
+              <a:defRPr/>
+            </a:pPr>
+            <a:r>
+              <a:rPr lang="pt-PT" b="1" dirty="0">
                 <a:solidFill>
                   <a:srgbClr val="FF3300"/>
                 </a:solidFill>
@@ -10388,243 +12397,17 @@
                   </a:outerShdw>
                 </a:effectLst>
               </a:rPr>
-              <a:t>Topic</a:t>
-            </a:r>
-            <a:r>
-              <a:rPr lang="pt-PT" sz="2800" b="1" dirty="0">
-                <a:solidFill>
-                  <a:srgbClr val="FF3300"/>
-                </a:solidFill>
-                <a:effectLst>
-                  <a:outerShdw blurRad="38100" dist="38100" dir="2700000" algn="tl">
-                    <a:srgbClr val="C0C0C0"/>
-                  </a:outerShdw>
-                </a:effectLst>
-              </a:rPr>
-              <a:t> </a:t>
-            </a:r>
-            <a:r>
-              <a:rPr lang="pt-PT" sz="2800" b="1" dirty="0" err="1">
-                <a:solidFill>
-                  <a:srgbClr val="FF3300"/>
-                </a:solidFill>
-                <a:effectLst>
-                  <a:outerShdw blurRad="38100" dist="38100" dir="2700000" algn="tl">
-                    <a:srgbClr val="C0C0C0"/>
-                  </a:outerShdw>
-                </a:effectLst>
-              </a:rPr>
-              <a:t>Modeling</a:t>
-            </a:r>
-            <a:r>
-              <a:rPr lang="pt-PT" sz="2800" b="1" dirty="0">
-                <a:solidFill>
-                  <a:srgbClr val="FF3300"/>
-                </a:solidFill>
-                <a:effectLst>
-                  <a:outerShdw blurRad="38100" dist="38100" dir="2700000" algn="tl">
-                    <a:srgbClr val="C0C0C0"/>
-                  </a:outerShdw>
-                </a:effectLst>
-              </a:rPr>
-              <a:t> </a:t>
-            </a:r>
-            <a:r>
-              <a:rPr lang="pt-PT" sz="2800" b="1" dirty="0" err="1">
-                <a:solidFill>
-                  <a:srgbClr val="FF3300"/>
-                </a:solidFill>
-                <a:effectLst>
-                  <a:outerShdw blurRad="38100" dist="38100" dir="2700000" algn="tl">
-                    <a:srgbClr val="C0C0C0"/>
-                  </a:outerShdw>
-                </a:effectLst>
-              </a:rPr>
-              <a:t>on</a:t>
-            </a:r>
-            <a:endParaRPr lang="pt-PT" sz="2800" b="1" dirty="0">
-              <a:solidFill>
-                <a:srgbClr val="FF3300"/>
-              </a:solidFill>
-              <a:effectLst>
-                <a:outerShdw blurRad="38100" dist="38100" dir="2700000" algn="tl">
-                  <a:srgbClr val="C0C0C0"/>
-                </a:outerShdw>
-              </a:effectLst>
-            </a:endParaRPr>
-          </a:p>
-          <a:p>
-            <a:pPr>
-              <a:spcBef>
-                <a:spcPct val="50000"/>
-              </a:spcBef>
-              <a:defRPr/>
-            </a:pPr>
-            <a:r>
-              <a:rPr lang="pt-PT" sz="2800" b="1" dirty="0">
-                <a:solidFill>
-                  <a:srgbClr val="FF3300"/>
-                </a:solidFill>
-                <a:effectLst>
-                  <a:outerShdw blurRad="38100" dist="38100" dir="2700000" algn="tl">
-                    <a:srgbClr val="C0C0C0"/>
-                  </a:outerShdw>
-                </a:effectLst>
-              </a:rPr>
-              <a:t>Amazon </a:t>
-            </a:r>
-            <a:r>
-              <a:rPr lang="pt-PT" sz="2800" b="1" dirty="0" err="1">
-                <a:solidFill>
-                  <a:srgbClr val="FF3300"/>
-                </a:solidFill>
-                <a:effectLst>
-                  <a:outerShdw blurRad="38100" dist="38100" dir="2700000" algn="tl">
-                    <a:srgbClr val="C0C0C0"/>
-                  </a:outerShdw>
-                </a:effectLst>
-              </a:rPr>
-              <a:t>Reviews</a:t>
-            </a:r>
-            <a:endParaRPr lang="pt-PT" sz="2800" b="1" dirty="0">
-              <a:solidFill>
-                <a:srgbClr val="FF3300"/>
-              </a:solidFill>
-              <a:effectLst>
-                <a:outerShdw blurRad="38100" dist="38100" dir="2700000" algn="tl">
-                  <a:srgbClr val="C0C0C0"/>
-                </a:outerShdw>
-              </a:effectLst>
-            </a:endParaRPr>
-          </a:p>
-        </p:txBody>
-      </p:sp>
-      <p:sp>
-        <p:nvSpPr>
-          <p:cNvPr id="11" name="Text Box 11"/>
-          <p:cNvSpPr txBox="1">
-            <a:spLocks noChangeArrowheads="1"/>
-          </p:cNvSpPr>
-          <p:nvPr/>
-        </p:nvSpPr>
-        <p:spPr bwMode="auto">
-          <a:xfrm>
-            <a:off x="914400" y="4038600"/>
-            <a:ext cx="4191000" cy="2092881"/>
-          </a:xfrm>
-          <a:prstGeom prst="rect">
-            <a:avLst/>
-          </a:prstGeom>
-          <a:noFill/>
-          <a:ln w="9525">
-            <a:noFill/>
-            <a:miter lim="800000"/>
-            <a:headEnd/>
-            <a:tailEnd/>
-          </a:ln>
-        </p:spPr>
-        <p:txBody>
-          <a:bodyPr wrap="square">
-            <a:spAutoFit/>
-          </a:bodyPr>
-          <a:lstStyle/>
-          <a:p>
-            <a:pPr>
-              <a:lnSpc>
-                <a:spcPct val="150000"/>
-              </a:lnSpc>
-            </a:pPr>
-            <a:r>
-              <a:rPr lang="pt-PT" sz="2000" b="1" dirty="0"/>
-              <a:t>Bárbara Freixo - PG</a:t>
-            </a:r>
-            <a:r>
-              <a:rPr lang="pt-PT" sz="2000" b="1" i="0" dirty="0">
-                <a:solidFill>
-                  <a:srgbClr val="000000"/>
-                </a:solidFill>
-                <a:effectLst/>
-                <a:latin typeface="docs-Calibri"/>
-              </a:rPr>
-              <a:t>49169</a:t>
-            </a:r>
-            <a:endParaRPr lang="pt-PT" sz="2000" b="1" dirty="0"/>
-          </a:p>
-          <a:p>
-            <a:pPr>
-              <a:lnSpc>
-                <a:spcPct val="150000"/>
-              </a:lnSpc>
-            </a:pPr>
-            <a:r>
-              <a:rPr lang="pt-PT" sz="2000" b="1" dirty="0"/>
-              <a:t>Cátia Cardoso – PG51239</a:t>
-            </a:r>
-          </a:p>
-          <a:p>
-            <a:pPr>
-              <a:lnSpc>
-                <a:spcPct val="150000"/>
-              </a:lnSpc>
-            </a:pPr>
-            <a:r>
-              <a:rPr lang="pt-PT" sz="2000" b="1" dirty="0"/>
-              <a:t>Cláudia Ribeiro – PG49998</a:t>
-            </a:r>
-          </a:p>
-          <a:p>
-            <a:pPr algn="just"/>
-            <a:endParaRPr lang="pt-PT" sz="2000" i="1" dirty="0"/>
-          </a:p>
-          <a:p>
-            <a:pPr algn="just"/>
-            <a:endParaRPr lang="pt-PT" sz="2000" b="1" dirty="0">
-              <a:solidFill>
-                <a:srgbClr val="C00000"/>
-              </a:solidFill>
-            </a:endParaRPr>
-          </a:p>
-        </p:txBody>
-      </p:sp>
-      <p:sp>
-        <p:nvSpPr>
-          <p:cNvPr id="15" name="Rectângulo 14"/>
-          <p:cNvSpPr/>
-          <p:nvPr/>
-        </p:nvSpPr>
-        <p:spPr>
-          <a:xfrm>
-            <a:off x="7221537" y="5807075"/>
-            <a:ext cx="1951881" cy="307777"/>
-          </a:xfrm>
-          <a:prstGeom prst="rect">
-            <a:avLst/>
-          </a:prstGeom>
-        </p:spPr>
-        <p:txBody>
-          <a:bodyPr wrap="none">
-            <a:spAutoFit/>
-          </a:bodyPr>
-          <a:lstStyle/>
-          <a:p>
-            <a:r>
-              <a:rPr lang="pt-PT" sz="1400" b="1" dirty="0">
-                <a:solidFill>
-                  <a:schemeClr val="tx2"/>
-                </a:solidFill>
-              </a:rPr>
-              <a:t>Ano Escolar: 2022/2023</a:t>
-            </a:r>
-            <a:endParaRPr lang="pt-PT" sz="1400" dirty="0"/>
+              <a:t>Mineração de Dados </a:t>
+            </a:r>
           </a:p>
         </p:txBody>
       </p:sp>
       <p:pic>
         <p:nvPicPr>
-          <p:cNvPr id="1028" name="Picture 4" descr="Idea">
+          <p:cNvPr id="2052" name="Picture 4" descr="Mapas">
             <a:extLst>
               <a:ext uri="{FF2B5EF4-FFF2-40B4-BE49-F238E27FC236}">
-                <a16:creationId xmlns:a16="http://schemas.microsoft.com/office/drawing/2014/main" id="{3FEF866A-F99B-34BF-C767-B836EC71D695}"/>
+                <a16:creationId xmlns:a16="http://schemas.microsoft.com/office/drawing/2014/main" id="{E87F1189-0489-903F-12B7-260FDB87E800}"/>
               </a:ext>
             </a:extLst>
           </p:cNvPr>
@@ -10634,7 +12417,7 @@
           <p:nvPr/>
         </p:nvPicPr>
         <p:blipFill>
-          <a:blip r:embed="rId3">
+          <a:blip r:embed="rId3" cstate="print">
             <a:extLst>
               <a:ext uri="{28A0092B-C50C-407E-A947-70E740481C1C}">
                 <a14:useLocalDpi xmlns:a14="http://schemas.microsoft.com/office/drawing/2010/main" val="0"/>
@@ -10648,8 +12431,8 @@
         </p:blipFill>
         <p:spPr bwMode="auto">
           <a:xfrm>
-            <a:off x="76200" y="381000"/>
-            <a:ext cx="2308815" cy="1800000"/>
+            <a:off x="8372756" y="76200"/>
+            <a:ext cx="618844" cy="720000"/>
           </a:xfrm>
           <a:prstGeom prst="rect">
             <a:avLst/>
@@ -10669,7 +12452,7 @@
     </p:spTree>
     <p:extLst>
       <p:ext uri="{BB962C8B-B14F-4D97-AF65-F5344CB8AC3E}">
-        <p14:creationId xmlns:p14="http://schemas.microsoft.com/office/powerpoint/2010/main" val="2354543098"/>
+        <p14:creationId xmlns:p14="http://schemas.microsoft.com/office/powerpoint/2010/main" val="2963893435"/>
       </p:ext>
     </p:extLst>
   </p:cSld>
